--- a/Analisis Pendahuluan PKL Tanah Abang.pptx
+++ b/Analisis Pendahuluan PKL Tanah Abang.pptx
@@ -114,7 +114,7 @@
   </p:defaultTextStyle>
   <p:extLst>
     <p:ext uri="{521415D9-36F7-43E2-AB2F-B90AF26B5E84}">
-      <p14:sectionLst xmlns:p14="http://schemas.microsoft.com/office/powerpoint/2010/main" xmlns="">
+      <p14:sectionLst xmlns="" xmlns:p14="http://schemas.microsoft.com/office/powerpoint/2010/main">
         <p14:section name="Default Section" id="{A2EC3207-5504-452C-86C4-0360466218F3}">
           <p14:sldIdLst>
             <p14:sldId id="262"/>
@@ -130,7 +130,7 @@
       </p14:sectionLst>
     </p:ext>
     <p:ext uri="{EFAFB233-063F-42B5-8137-9DF3F51BA10A}">
-      <p15:sldGuideLst xmlns:p15="http://schemas.microsoft.com/office/powerpoint/2012/main" xmlns=""/>
+      <p15:sldGuideLst xmlns="" xmlns:p15="http://schemas.microsoft.com/office/powerpoint/2012/main"/>
     </p:ext>
   </p:extLst>
 </p:presentation>
@@ -141,7 +141,7 @@
   <p:cmAuthor id="1" name="Data 1" initials="D1" lastIdx="1" clrIdx="0">
     <p:extLst>
       <p:ext uri="{19B8F6BF-5375-455C-9EA6-DF929625EA0E}">
-        <p15:presenceInfo xmlns:p15="http://schemas.microsoft.com/office/powerpoint/2012/main" xmlns="" userId="Data 1" providerId="None"/>
+        <p15:presenceInfo xmlns="" xmlns:p15="http://schemas.microsoft.com/office/powerpoint/2012/main" userId="Data 1" providerId="None"/>
       </p:ext>
     </p:extLst>
   </p:cmAuthor>
@@ -181,7 +181,7 @@
           <a:blip r:embed="rId2" cstate="email">
             <a:extLst>
               <a:ext uri="{28A0092B-C50C-407E-A947-70E740481C1C}">
-                <a14:useLocalDpi xmlns:a14="http://schemas.microsoft.com/office/drawing/2010/main" xmlns=""/>
+                <a14:useLocalDpi xmlns="" xmlns:a14="http://schemas.microsoft.com/office/drawing/2010/main"/>
               </a:ext>
             </a:extLst>
           </a:blip>
@@ -526,7 +526,7 @@
     </p:spTree>
     <p:extLst>
       <p:ext uri="{BB962C8B-B14F-4D97-AF65-F5344CB8AC3E}">
-        <p14:creationId xmlns:p14="http://schemas.microsoft.com/office/powerpoint/2010/main" xmlns="" val="1968009058"/>
+        <p14:creationId xmlns="" xmlns:p14="http://schemas.microsoft.com/office/powerpoint/2010/main" val="1968009058"/>
       </p:ext>
     </p:extLst>
   </p:cSld>
@@ -565,7 +565,7 @@
           <a:blip r:embed="rId2" cstate="email">
             <a:extLst>
               <a:ext uri="{28A0092B-C50C-407E-A947-70E740481C1C}">
-                <a14:useLocalDpi xmlns:a14="http://schemas.microsoft.com/office/drawing/2010/main" xmlns=""/>
+                <a14:useLocalDpi xmlns="" xmlns:a14="http://schemas.microsoft.com/office/drawing/2010/main"/>
               </a:ext>
             </a:extLst>
           </a:blip>
@@ -586,7 +586,7 @@
     </p:spTree>
     <p:extLst>
       <p:ext uri="{BB962C8B-B14F-4D97-AF65-F5344CB8AC3E}">
-        <p14:creationId xmlns:p14="http://schemas.microsoft.com/office/powerpoint/2010/main" xmlns="" val="263930131"/>
+        <p14:creationId xmlns="" xmlns:p14="http://schemas.microsoft.com/office/powerpoint/2010/main" val="263930131"/>
       </p:ext>
     </p:extLst>
   </p:cSld>
@@ -625,7 +625,7 @@
           <a:blip r:embed="rId2" cstate="email">
             <a:extLst>
               <a:ext uri="{28A0092B-C50C-407E-A947-70E740481C1C}">
-                <a14:useLocalDpi xmlns:a14="http://schemas.microsoft.com/office/drawing/2010/main" xmlns=""/>
+                <a14:useLocalDpi xmlns="" xmlns:a14="http://schemas.microsoft.com/office/drawing/2010/main"/>
               </a:ext>
             </a:extLst>
           </a:blip>
@@ -646,7 +646,7 @@
     </p:spTree>
     <p:extLst>
       <p:ext uri="{BB962C8B-B14F-4D97-AF65-F5344CB8AC3E}">
-        <p14:creationId xmlns:p14="http://schemas.microsoft.com/office/powerpoint/2010/main" xmlns="" val="3719468208"/>
+        <p14:creationId xmlns="" xmlns:p14="http://schemas.microsoft.com/office/powerpoint/2010/main" val="3719468208"/>
       </p:ext>
     </p:extLst>
   </p:cSld>
@@ -685,7 +685,7 @@
           <a:blip r:embed="rId2" cstate="email">
             <a:extLst>
               <a:ext uri="{28A0092B-C50C-407E-A947-70E740481C1C}">
-                <a14:useLocalDpi xmlns:a14="http://schemas.microsoft.com/office/drawing/2010/main" xmlns=""/>
+                <a14:useLocalDpi xmlns="" xmlns:a14="http://schemas.microsoft.com/office/drawing/2010/main"/>
               </a:ext>
             </a:extLst>
           </a:blip>
@@ -902,7 +902,7 @@
     </p:spTree>
     <p:extLst>
       <p:ext uri="{BB962C8B-B14F-4D97-AF65-F5344CB8AC3E}">
-        <p14:creationId xmlns:p14="http://schemas.microsoft.com/office/powerpoint/2010/main" xmlns="" val="2049627226"/>
+        <p14:creationId xmlns="" xmlns:p14="http://schemas.microsoft.com/office/powerpoint/2010/main" val="2049627226"/>
       </p:ext>
     </p:extLst>
   </p:cSld>
@@ -1092,7 +1092,7 @@
     </p:spTree>
     <p:extLst>
       <p:ext uri="{BB962C8B-B14F-4D97-AF65-F5344CB8AC3E}">
-        <p14:creationId xmlns:p14="http://schemas.microsoft.com/office/powerpoint/2010/main" xmlns="" val="3069950828"/>
+        <p14:creationId xmlns="" xmlns:p14="http://schemas.microsoft.com/office/powerpoint/2010/main" val="3069950828"/>
       </p:ext>
     </p:extLst>
   </p:cSld>
@@ -1131,7 +1131,7 @@
           <a:blip r:embed="rId2" cstate="email">
             <a:extLst>
               <a:ext uri="{28A0092B-C50C-407E-A947-70E740481C1C}">
-                <a14:useLocalDpi xmlns:a14="http://schemas.microsoft.com/office/drawing/2010/main" xmlns=""/>
+                <a14:useLocalDpi xmlns="" xmlns:a14="http://schemas.microsoft.com/office/drawing/2010/main"/>
               </a:ext>
             </a:extLst>
           </a:blip>
@@ -1161,7 +1161,7 @@
           <a:blip r:embed="rId3" cstate="email">
             <a:extLst>
               <a:ext uri="{28A0092B-C50C-407E-A947-70E740481C1C}">
-                <a14:useLocalDpi xmlns:a14="http://schemas.microsoft.com/office/drawing/2010/main" xmlns=""/>
+                <a14:useLocalDpi xmlns="" xmlns:a14="http://schemas.microsoft.com/office/drawing/2010/main"/>
               </a:ext>
             </a:extLst>
           </a:blip>
@@ -1345,7 +1345,7 @@
     </p:spTree>
     <p:extLst>
       <p:ext uri="{BB962C8B-B14F-4D97-AF65-F5344CB8AC3E}">
-        <p14:creationId xmlns:p14="http://schemas.microsoft.com/office/powerpoint/2010/main" xmlns="" val="1762842516"/>
+        <p14:creationId xmlns="" xmlns:p14="http://schemas.microsoft.com/office/powerpoint/2010/main" val="1762842516"/>
       </p:ext>
     </p:extLst>
   </p:cSld>
@@ -1665,7 +1665,7 @@
     </p:spTree>
     <p:extLst>
       <p:ext uri="{BB962C8B-B14F-4D97-AF65-F5344CB8AC3E}">
-        <p14:creationId xmlns:p14="http://schemas.microsoft.com/office/powerpoint/2010/main" xmlns="" val="3453102556"/>
+        <p14:creationId xmlns="" xmlns:p14="http://schemas.microsoft.com/office/powerpoint/2010/main" val="3453102556"/>
       </p:ext>
     </p:extLst>
   </p:cSld>
@@ -2009,7 +2009,7 @@
     </p:spTree>
     <p:extLst>
       <p:ext uri="{BB962C8B-B14F-4D97-AF65-F5344CB8AC3E}">
-        <p14:creationId xmlns:p14="http://schemas.microsoft.com/office/powerpoint/2010/main" xmlns="" val="2517282281"/>
+        <p14:creationId xmlns="" xmlns:p14="http://schemas.microsoft.com/office/powerpoint/2010/main" val="2517282281"/>
       </p:ext>
     </p:extLst>
   </p:cSld>
@@ -2048,7 +2048,7 @@
           <a:blip r:embed="rId2" cstate="email">
             <a:extLst>
               <a:ext uri="{28A0092B-C50C-407E-A947-70E740481C1C}">
-                <a14:useLocalDpi xmlns:a14="http://schemas.microsoft.com/office/drawing/2010/main" xmlns=""/>
+                <a14:useLocalDpi xmlns="" xmlns:a14="http://schemas.microsoft.com/office/drawing/2010/main"/>
               </a:ext>
             </a:extLst>
           </a:blip>
@@ -2143,7 +2143,7 @@
     </p:spTree>
     <p:extLst>
       <p:ext uri="{BB962C8B-B14F-4D97-AF65-F5344CB8AC3E}">
-        <p14:creationId xmlns:p14="http://schemas.microsoft.com/office/powerpoint/2010/main" xmlns="" val="3227955906"/>
+        <p14:creationId xmlns="" xmlns:p14="http://schemas.microsoft.com/office/powerpoint/2010/main" val="3227955906"/>
       </p:ext>
     </p:extLst>
   </p:cSld>
@@ -2477,7 +2477,7 @@
     </p:spTree>
     <p:extLst>
       <p:ext uri="{BB962C8B-B14F-4D97-AF65-F5344CB8AC3E}">
-        <p14:creationId xmlns:p14="http://schemas.microsoft.com/office/powerpoint/2010/main" xmlns="" val="64487476"/>
+        <p14:creationId xmlns="" xmlns:p14="http://schemas.microsoft.com/office/powerpoint/2010/main" val="64487476"/>
       </p:ext>
     </p:extLst>
   </p:cSld>
@@ -2773,7 +2773,7 @@
     </p:spTree>
     <p:extLst>
       <p:ext uri="{BB962C8B-B14F-4D97-AF65-F5344CB8AC3E}">
-        <p14:creationId xmlns:p14="http://schemas.microsoft.com/office/powerpoint/2010/main" xmlns="" val="1837571252"/>
+        <p14:creationId xmlns="" xmlns:p14="http://schemas.microsoft.com/office/powerpoint/2010/main" val="1837571252"/>
       </p:ext>
     </p:extLst>
   </p:cSld>
@@ -2817,7 +2817,7 @@
           <a:blip r:embed="rId13" cstate="email">
             <a:extLst>
               <a:ext uri="{28A0092B-C50C-407E-A947-70E740481C1C}">
-                <a14:useLocalDpi xmlns:a14="http://schemas.microsoft.com/office/drawing/2010/main" xmlns=""/>
+                <a14:useLocalDpi xmlns="" xmlns:a14="http://schemas.microsoft.com/office/drawing/2010/main"/>
               </a:ext>
             </a:extLst>
           </a:blip>
@@ -2912,7 +2912,7 @@
           <a:blip r:embed="rId14" cstate="email">
             <a:extLst>
               <a:ext uri="{28A0092B-C50C-407E-A947-70E740481C1C}">
-                <a14:useLocalDpi xmlns:a14="http://schemas.microsoft.com/office/drawing/2010/main" xmlns=""/>
+                <a14:useLocalDpi xmlns="" xmlns:a14="http://schemas.microsoft.com/office/drawing/2010/main"/>
               </a:ext>
             </a:extLst>
           </a:blip>
@@ -2933,7 +2933,7 @@
     </p:spTree>
     <p:extLst>
       <p:ext uri="{BB962C8B-B14F-4D97-AF65-F5344CB8AC3E}">
-        <p14:creationId xmlns:p14="http://schemas.microsoft.com/office/powerpoint/2010/main" xmlns="" val="1778616413"/>
+        <p14:creationId xmlns="" xmlns:p14="http://schemas.microsoft.com/office/powerpoint/2010/main" val="1778616413"/>
       </p:ext>
     </p:extLst>
   </p:cSld>
@@ -3256,7 +3256,7 @@
           <p:cNvPr id="2" name="Title 1">
             <a:extLst>
               <a:ext uri="{FF2B5EF4-FFF2-40B4-BE49-F238E27FC236}">
-                <a16:creationId xmlns:a16="http://schemas.microsoft.com/office/drawing/2014/main" xmlns="" id="{6EC84F9C-D9B7-4A95-AE28-8595381C2FE4}"/>
+                <a16:creationId xmlns="" xmlns:a16="http://schemas.microsoft.com/office/drawing/2014/main" id="{6EC84F9C-D9B7-4A95-AE28-8595381C2FE4}"/>
               </a:ext>
             </a:extLst>
           </p:cNvPr>
@@ -3331,7 +3331,7 @@
           <p:cNvPr id="5" name="Picture 4">
             <a:extLst>
               <a:ext uri="{FF2B5EF4-FFF2-40B4-BE49-F238E27FC236}">
-                <a16:creationId xmlns:a16="http://schemas.microsoft.com/office/drawing/2014/main" xmlns="" id="{3CE608B1-1C09-483D-9140-7B86E51CDEB7}"/>
+                <a16:creationId xmlns="" xmlns:a16="http://schemas.microsoft.com/office/drawing/2014/main" id="{3CE608B1-1C09-483D-9140-7B86E51CDEB7}"/>
               </a:ext>
             </a:extLst>
           </p:cNvPr>
@@ -3344,7 +3344,7 @@
           <a:blip r:embed="rId2" cstate="email">
             <a:extLst>
               <a:ext uri="{28A0092B-C50C-407E-A947-70E740481C1C}">
-                <a14:useLocalDpi xmlns:a14="http://schemas.microsoft.com/office/drawing/2010/main" xmlns=""/>
+                <a14:useLocalDpi xmlns="" xmlns:a14="http://schemas.microsoft.com/office/drawing/2010/main"/>
               </a:ext>
             </a:extLst>
           </a:blip>
@@ -3365,7 +3365,7 @@
     </p:spTree>
     <p:extLst>
       <p:ext uri="{BB962C8B-B14F-4D97-AF65-F5344CB8AC3E}">
-        <p14:creationId xmlns:p14="http://schemas.microsoft.com/office/powerpoint/2010/main" xmlns="" val="1552268445"/>
+        <p14:creationId xmlns="" xmlns:p14="http://schemas.microsoft.com/office/powerpoint/2010/main" val="1552268445"/>
       </p:ext>
     </p:extLst>
   </p:cSld>
@@ -3404,7 +3404,7 @@
           <p:cNvPr id="2" name="Title 1">
             <a:extLst>
               <a:ext uri="{FF2B5EF4-FFF2-40B4-BE49-F238E27FC236}">
-                <a16:creationId xmlns:a16="http://schemas.microsoft.com/office/drawing/2014/main" xmlns="" id="{C1BF439E-74EA-414E-8ED6-D8FFABEBDEF8}"/>
+                <a16:creationId xmlns="" xmlns:a16="http://schemas.microsoft.com/office/drawing/2014/main" id="{C1BF439E-74EA-414E-8ED6-D8FFABEBDEF8}"/>
               </a:ext>
             </a:extLst>
           </p:cNvPr>
@@ -3453,7 +3453,7 @@
           <p:cNvPr id="3" name="Content Placeholder 2">
             <a:extLst>
               <a:ext uri="{FF2B5EF4-FFF2-40B4-BE49-F238E27FC236}">
-                <a16:creationId xmlns:a16="http://schemas.microsoft.com/office/drawing/2014/main" xmlns="" id="{A5BB5C2C-7E89-4562-AC4B-FC0620DB2685}"/>
+                <a16:creationId xmlns="" xmlns:a16="http://schemas.microsoft.com/office/drawing/2014/main" id="{A5BB5C2C-7E89-4562-AC4B-FC0620DB2685}"/>
               </a:ext>
             </a:extLst>
           </p:cNvPr>
@@ -3530,7 +3530,7 @@
           <p:cNvPr id="13" name="Picture 12">
             <a:extLst>
               <a:ext uri="{FF2B5EF4-FFF2-40B4-BE49-F238E27FC236}">
-                <a16:creationId xmlns:a16="http://schemas.microsoft.com/office/drawing/2014/main" xmlns="" id="{7A703045-4333-4615-86FB-B41FD83D22FA}"/>
+                <a16:creationId xmlns="" xmlns:a16="http://schemas.microsoft.com/office/drawing/2014/main" id="{7A703045-4333-4615-86FB-B41FD83D22FA}"/>
               </a:ext>
             </a:extLst>
           </p:cNvPr>
@@ -3543,7 +3543,7 @@
           <a:blip r:embed="rId2" cstate="email">
             <a:extLst>
               <a:ext uri="{28A0092B-C50C-407E-A947-70E740481C1C}">
-                <a14:useLocalDpi xmlns:a14="http://schemas.microsoft.com/office/drawing/2010/main" xmlns=""/>
+                <a14:useLocalDpi xmlns="" xmlns:a14="http://schemas.microsoft.com/office/drawing/2010/main"/>
               </a:ext>
             </a:extLst>
           </a:blip>
@@ -3566,7 +3566,7 @@
           <p:cNvPr id="15" name="Picture 14">
             <a:extLst>
               <a:ext uri="{FF2B5EF4-FFF2-40B4-BE49-F238E27FC236}">
-                <a16:creationId xmlns:a16="http://schemas.microsoft.com/office/drawing/2014/main" xmlns="" id="{E4D102C4-A64E-4487-8E56-C3E6BA449188}"/>
+                <a16:creationId xmlns="" xmlns:a16="http://schemas.microsoft.com/office/drawing/2014/main" id="{E4D102C4-A64E-4487-8E56-C3E6BA449188}"/>
               </a:ext>
             </a:extLst>
           </p:cNvPr>
@@ -3579,7 +3579,7 @@
           <a:blip r:embed="rId3" cstate="email">
             <a:extLst>
               <a:ext uri="{28A0092B-C50C-407E-A947-70E740481C1C}">
-                <a14:useLocalDpi xmlns:a14="http://schemas.microsoft.com/office/drawing/2010/main" xmlns=""/>
+                <a14:useLocalDpi xmlns="" xmlns:a14="http://schemas.microsoft.com/office/drawing/2010/main"/>
               </a:ext>
             </a:extLst>
           </a:blip>
@@ -3602,7 +3602,7 @@
           <p:cNvPr id="16" name="Content Placeholder 2">
             <a:extLst>
               <a:ext uri="{FF2B5EF4-FFF2-40B4-BE49-F238E27FC236}">
-                <a16:creationId xmlns:a16="http://schemas.microsoft.com/office/drawing/2014/main" xmlns="" id="{596BFCF3-838A-4CE0-8218-05E256B97746}"/>
+                <a16:creationId xmlns="" xmlns:a16="http://schemas.microsoft.com/office/drawing/2014/main" id="{596BFCF3-838A-4CE0-8218-05E256B97746}"/>
               </a:ext>
             </a:extLst>
           </p:cNvPr>
@@ -3895,7 +3895,7 @@
           <p:cNvPr id="19" name="Picture 18">
             <a:extLst>
               <a:ext uri="{FF2B5EF4-FFF2-40B4-BE49-F238E27FC236}">
-                <a16:creationId xmlns:a16="http://schemas.microsoft.com/office/drawing/2014/main" xmlns="" id="{B370B86C-B917-48BE-B694-FE53D0A46415}"/>
+                <a16:creationId xmlns="" xmlns:a16="http://schemas.microsoft.com/office/drawing/2014/main" id="{B370B86C-B917-48BE-B694-FE53D0A46415}"/>
               </a:ext>
             </a:extLst>
           </p:cNvPr>
@@ -3908,7 +3908,7 @@
           <a:blip r:embed="rId4" cstate="email">
             <a:extLst>
               <a:ext uri="{28A0092B-C50C-407E-A947-70E740481C1C}">
-                <a14:useLocalDpi xmlns:a14="http://schemas.microsoft.com/office/drawing/2010/main" xmlns=""/>
+                <a14:useLocalDpi xmlns="" xmlns:a14="http://schemas.microsoft.com/office/drawing/2010/main"/>
               </a:ext>
             </a:extLst>
           </a:blip>
@@ -3931,7 +3931,7 @@
           <p:cNvPr id="20" name="Picture 19">
             <a:extLst>
               <a:ext uri="{FF2B5EF4-FFF2-40B4-BE49-F238E27FC236}">
-                <a16:creationId xmlns:a16="http://schemas.microsoft.com/office/drawing/2014/main" xmlns="" id="{F8B47974-BA53-4AF7-BFD6-3DFADC15B9C2}"/>
+                <a16:creationId xmlns="" xmlns:a16="http://schemas.microsoft.com/office/drawing/2014/main" id="{F8B47974-BA53-4AF7-BFD6-3DFADC15B9C2}"/>
               </a:ext>
             </a:extLst>
           </p:cNvPr>
@@ -3944,7 +3944,7 @@
           <a:blip r:embed="rId5" cstate="email">
             <a:extLst>
               <a:ext uri="{28A0092B-C50C-407E-A947-70E740481C1C}">
-                <a14:useLocalDpi xmlns:a14="http://schemas.microsoft.com/office/drawing/2010/main" xmlns=""/>
+                <a14:useLocalDpi xmlns="" xmlns:a14="http://schemas.microsoft.com/office/drawing/2010/main"/>
               </a:ext>
             </a:extLst>
           </a:blip>
@@ -3965,7 +3965,7 @@
     </p:spTree>
     <p:extLst>
       <p:ext uri="{BB962C8B-B14F-4D97-AF65-F5344CB8AC3E}">
-        <p14:creationId xmlns:p14="http://schemas.microsoft.com/office/powerpoint/2010/main" xmlns="" val="414079867"/>
+        <p14:creationId xmlns="" xmlns:p14="http://schemas.microsoft.com/office/powerpoint/2010/main" val="414079867"/>
       </p:ext>
     </p:extLst>
   </p:cSld>
@@ -4004,7 +4004,7 @@
           <p:cNvPr id="2" name="Title 1">
             <a:extLst>
               <a:ext uri="{FF2B5EF4-FFF2-40B4-BE49-F238E27FC236}">
-                <a16:creationId xmlns:a16="http://schemas.microsoft.com/office/drawing/2014/main" xmlns="" id="{C1BF439E-74EA-414E-8ED6-D8FFABEBDEF8}"/>
+                <a16:creationId xmlns="" xmlns:a16="http://schemas.microsoft.com/office/drawing/2014/main" id="{C1BF439E-74EA-414E-8ED6-D8FFABEBDEF8}"/>
               </a:ext>
             </a:extLst>
           </p:cNvPr>
@@ -4088,7 +4088,7 @@
           <p:cNvPr id="7" name="Content Placeholder 6">
             <a:extLst>
               <a:ext uri="{FF2B5EF4-FFF2-40B4-BE49-F238E27FC236}">
-                <a16:creationId xmlns:a16="http://schemas.microsoft.com/office/drawing/2014/main" xmlns="" id="{85DE95EF-756E-40A8-BA45-371EEB068A86}"/>
+                <a16:creationId xmlns="" xmlns:a16="http://schemas.microsoft.com/office/drawing/2014/main" id="{85DE95EF-756E-40A8-BA45-371EEB068A86}"/>
               </a:ext>
             </a:extLst>
           </p:cNvPr>
@@ -4103,7 +4103,7 @@
           <a:blip r:embed="rId2" cstate="email">
             <a:extLst>
               <a:ext uri="{28A0092B-C50C-407E-A947-70E740481C1C}">
-                <a14:useLocalDpi xmlns:a14="http://schemas.microsoft.com/office/drawing/2010/main" xmlns=""/>
+                <a14:useLocalDpi xmlns="" xmlns:a14="http://schemas.microsoft.com/office/drawing/2010/main"/>
               </a:ext>
             </a:extLst>
           </a:blip>
@@ -4126,7 +4126,7 @@
           <p:cNvPr id="8" name="TextBox 7">
             <a:extLst>
               <a:ext uri="{FF2B5EF4-FFF2-40B4-BE49-F238E27FC236}">
-                <a16:creationId xmlns:a16="http://schemas.microsoft.com/office/drawing/2014/main" xmlns="" id="{0C57C685-EDF2-4185-98A8-8D862FC4D678}"/>
+                <a16:creationId xmlns="" xmlns:a16="http://schemas.microsoft.com/office/drawing/2014/main" id="{0C57C685-EDF2-4185-98A8-8D862FC4D678}"/>
               </a:ext>
             </a:extLst>
           </p:cNvPr>
@@ -4182,7 +4182,7 @@
           <p:cNvPr id="9" name="Oval 8">
             <a:extLst>
               <a:ext uri="{FF2B5EF4-FFF2-40B4-BE49-F238E27FC236}">
-                <a16:creationId xmlns:a16="http://schemas.microsoft.com/office/drawing/2014/main" xmlns="" id="{4A506732-4973-47D8-9899-03DDEE1A3216}"/>
+                <a16:creationId xmlns="" xmlns:a16="http://schemas.microsoft.com/office/drawing/2014/main" id="{4A506732-4973-47D8-9899-03DDEE1A3216}"/>
               </a:ext>
             </a:extLst>
           </p:cNvPr>
@@ -4246,7 +4246,7 @@
           <p:cNvPr id="17" name="Oval 16">
             <a:extLst>
               <a:ext uri="{FF2B5EF4-FFF2-40B4-BE49-F238E27FC236}">
-                <a16:creationId xmlns:a16="http://schemas.microsoft.com/office/drawing/2014/main" xmlns="" id="{1DA3EB73-B1E3-4282-BE2F-1CB41A587C44}"/>
+                <a16:creationId xmlns="" xmlns:a16="http://schemas.microsoft.com/office/drawing/2014/main" id="{1DA3EB73-B1E3-4282-BE2F-1CB41A587C44}"/>
               </a:ext>
             </a:extLst>
           </p:cNvPr>
@@ -4306,7 +4306,7 @@
           <p:cNvPr id="18" name="Oval 17">
             <a:extLst>
               <a:ext uri="{FF2B5EF4-FFF2-40B4-BE49-F238E27FC236}">
-                <a16:creationId xmlns:a16="http://schemas.microsoft.com/office/drawing/2014/main" xmlns="" id="{55D9D80E-E651-4AEC-A87F-59C6F84996F3}"/>
+                <a16:creationId xmlns="" xmlns:a16="http://schemas.microsoft.com/office/drawing/2014/main" id="{55D9D80E-E651-4AEC-A87F-59C6F84996F3}"/>
               </a:ext>
             </a:extLst>
           </p:cNvPr>
@@ -4386,7 +4386,7 @@
           <p:cNvPr id="20" name="Oval 19">
             <a:extLst>
               <a:ext uri="{FF2B5EF4-FFF2-40B4-BE49-F238E27FC236}">
-                <a16:creationId xmlns:a16="http://schemas.microsoft.com/office/drawing/2014/main" xmlns="" id="{4F13141B-B05D-4251-9A8C-4488DF44E921}"/>
+                <a16:creationId xmlns="" xmlns:a16="http://schemas.microsoft.com/office/drawing/2014/main" id="{4F13141B-B05D-4251-9A8C-4488DF44E921}"/>
               </a:ext>
             </a:extLst>
           </p:cNvPr>
@@ -4450,7 +4450,7 @@
           <p:cNvPr id="21" name="Oval 20">
             <a:extLst>
               <a:ext uri="{FF2B5EF4-FFF2-40B4-BE49-F238E27FC236}">
-                <a16:creationId xmlns:a16="http://schemas.microsoft.com/office/drawing/2014/main" xmlns="" id="{24C8FEC7-19D9-4A0B-812E-3BE44A3FA7CC}"/>
+                <a16:creationId xmlns="" xmlns:a16="http://schemas.microsoft.com/office/drawing/2014/main" id="{24C8FEC7-19D9-4A0B-812E-3BE44A3FA7CC}"/>
               </a:ext>
             </a:extLst>
           </p:cNvPr>
@@ -4510,7 +4510,7 @@
           <p:cNvPr id="23" name="Oval 22">
             <a:extLst>
               <a:ext uri="{FF2B5EF4-FFF2-40B4-BE49-F238E27FC236}">
-                <a16:creationId xmlns:a16="http://schemas.microsoft.com/office/drawing/2014/main" xmlns="" id="{B7CDA12D-1EE3-425A-976A-EE2AA6FAEF6F}"/>
+                <a16:creationId xmlns="" xmlns:a16="http://schemas.microsoft.com/office/drawing/2014/main" id="{B7CDA12D-1EE3-425A-976A-EE2AA6FAEF6F}"/>
               </a:ext>
             </a:extLst>
           </p:cNvPr>
@@ -4566,7 +4566,7 @@
           <p:cNvPr id="24" name="Oval 23">
             <a:extLst>
               <a:ext uri="{FF2B5EF4-FFF2-40B4-BE49-F238E27FC236}">
-                <a16:creationId xmlns:a16="http://schemas.microsoft.com/office/drawing/2014/main" xmlns="" id="{EEC58A6F-FE45-4E78-8491-76980679ABC3}"/>
+                <a16:creationId xmlns="" xmlns:a16="http://schemas.microsoft.com/office/drawing/2014/main" id="{EEC58A6F-FE45-4E78-8491-76980679ABC3}"/>
               </a:ext>
             </a:extLst>
           </p:cNvPr>
@@ -4630,7 +4630,7 @@
           <p:cNvPr id="12" name="Straight Arrow Connector 11">
             <a:extLst>
               <a:ext uri="{FF2B5EF4-FFF2-40B4-BE49-F238E27FC236}">
-                <a16:creationId xmlns:a16="http://schemas.microsoft.com/office/drawing/2014/main" xmlns="" id="{5F67E35A-DBF3-44F6-8DE5-8D6D166A6CF6}"/>
+                <a16:creationId xmlns="" xmlns:a16="http://schemas.microsoft.com/office/drawing/2014/main" id="{5F67E35A-DBF3-44F6-8DE5-8D6D166A6CF6}"/>
               </a:ext>
             </a:extLst>
           </p:cNvPr>
@@ -4686,7 +4686,7 @@
           <p:cNvPr id="32" name="Straight Arrow Connector 31">
             <a:extLst>
               <a:ext uri="{FF2B5EF4-FFF2-40B4-BE49-F238E27FC236}">
-                <a16:creationId xmlns:a16="http://schemas.microsoft.com/office/drawing/2014/main" xmlns="" id="{66E33CC0-808F-4BB7-B0CD-A90E4680C345}"/>
+                <a16:creationId xmlns="" xmlns:a16="http://schemas.microsoft.com/office/drawing/2014/main" id="{66E33CC0-808F-4BB7-B0CD-A90E4680C345}"/>
               </a:ext>
             </a:extLst>
           </p:cNvPr>
@@ -4743,7 +4743,7 @@
           <p:cNvPr id="34" name="Straight Arrow Connector 33">
             <a:extLst>
               <a:ext uri="{FF2B5EF4-FFF2-40B4-BE49-F238E27FC236}">
-                <a16:creationId xmlns:a16="http://schemas.microsoft.com/office/drawing/2014/main" xmlns="" id="{1AD8F795-874D-4877-B678-0F2412FEC8A8}"/>
+                <a16:creationId xmlns="" xmlns:a16="http://schemas.microsoft.com/office/drawing/2014/main" id="{1AD8F795-874D-4877-B678-0F2412FEC8A8}"/>
               </a:ext>
             </a:extLst>
           </p:cNvPr>
@@ -4800,7 +4800,7 @@
           <p:cNvPr id="37" name="Straight Arrow Connector 36">
             <a:extLst>
               <a:ext uri="{FF2B5EF4-FFF2-40B4-BE49-F238E27FC236}">
-                <a16:creationId xmlns:a16="http://schemas.microsoft.com/office/drawing/2014/main" xmlns="" id="{27172492-7FDD-4D35-A71A-A2655B40A4A2}"/>
+                <a16:creationId xmlns="" xmlns:a16="http://schemas.microsoft.com/office/drawing/2014/main" id="{27172492-7FDD-4D35-A71A-A2655B40A4A2}"/>
               </a:ext>
             </a:extLst>
           </p:cNvPr>
@@ -4856,7 +4856,7 @@
           <p:cNvPr id="40" name="Straight Arrow Connector 39">
             <a:extLst>
               <a:ext uri="{FF2B5EF4-FFF2-40B4-BE49-F238E27FC236}">
-                <a16:creationId xmlns:a16="http://schemas.microsoft.com/office/drawing/2014/main" xmlns="" id="{4D031073-DBD5-4926-9DD7-2A707FA981C5}"/>
+                <a16:creationId xmlns="" xmlns:a16="http://schemas.microsoft.com/office/drawing/2014/main" id="{4D031073-DBD5-4926-9DD7-2A707FA981C5}"/>
               </a:ext>
             </a:extLst>
           </p:cNvPr>
@@ -4913,7 +4913,7 @@
           <p:cNvPr id="43" name="Straight Arrow Connector 42">
             <a:extLst>
               <a:ext uri="{FF2B5EF4-FFF2-40B4-BE49-F238E27FC236}">
-                <a16:creationId xmlns:a16="http://schemas.microsoft.com/office/drawing/2014/main" xmlns="" id="{06E9C801-44BF-4465-BEC4-28CD1503FD59}"/>
+                <a16:creationId xmlns="" xmlns:a16="http://schemas.microsoft.com/office/drawing/2014/main" id="{06E9C801-44BF-4465-BEC4-28CD1503FD59}"/>
               </a:ext>
             </a:extLst>
           </p:cNvPr>
@@ -4970,7 +4970,7 @@
           <p:cNvPr id="46" name="Straight Arrow Connector 45">
             <a:extLst>
               <a:ext uri="{FF2B5EF4-FFF2-40B4-BE49-F238E27FC236}">
-                <a16:creationId xmlns:a16="http://schemas.microsoft.com/office/drawing/2014/main" xmlns="" id="{708EAFC5-D7FF-48AD-8379-84095664ADC3}"/>
+                <a16:creationId xmlns="" xmlns:a16="http://schemas.microsoft.com/office/drawing/2014/main" id="{708EAFC5-D7FF-48AD-8379-84095664ADC3}"/>
               </a:ext>
             </a:extLst>
           </p:cNvPr>
@@ -5027,7 +5027,7 @@
           <p:cNvPr id="49" name="TextBox 48">
             <a:extLst>
               <a:ext uri="{FF2B5EF4-FFF2-40B4-BE49-F238E27FC236}">
-                <a16:creationId xmlns:a16="http://schemas.microsoft.com/office/drawing/2014/main" xmlns="" id="{55A60E23-C394-4E5E-BFD1-E259B43FCD09}"/>
+                <a16:creationId xmlns="" xmlns:a16="http://schemas.microsoft.com/office/drawing/2014/main" id="{55A60E23-C394-4E5E-BFD1-E259B43FCD09}"/>
               </a:ext>
             </a:extLst>
           </p:cNvPr>
@@ -5064,7 +5064,7 @@
           <p:cNvPr id="50" name="TextBox 49">
             <a:extLst>
               <a:ext uri="{FF2B5EF4-FFF2-40B4-BE49-F238E27FC236}">
-                <a16:creationId xmlns:a16="http://schemas.microsoft.com/office/drawing/2014/main" xmlns="" id="{A2E5170A-0143-45D4-9DD7-D3B9EE525676}"/>
+                <a16:creationId xmlns="" xmlns:a16="http://schemas.microsoft.com/office/drawing/2014/main" id="{A2E5170A-0143-45D4-9DD7-D3B9EE525676}"/>
               </a:ext>
             </a:extLst>
           </p:cNvPr>
@@ -5099,7 +5099,7 @@
     </p:spTree>
     <p:extLst>
       <p:ext uri="{BB962C8B-B14F-4D97-AF65-F5344CB8AC3E}">
-        <p14:creationId xmlns:p14="http://schemas.microsoft.com/office/powerpoint/2010/main" xmlns="" val="143478100"/>
+        <p14:creationId xmlns="" xmlns:p14="http://schemas.microsoft.com/office/powerpoint/2010/main" val="143478100"/>
       </p:ext>
     </p:extLst>
   </p:cSld>
@@ -5138,7 +5138,7 @@
           <p:cNvPr id="2" name="Title 1">
             <a:extLst>
               <a:ext uri="{FF2B5EF4-FFF2-40B4-BE49-F238E27FC236}">
-                <a16:creationId xmlns:a16="http://schemas.microsoft.com/office/drawing/2014/main" xmlns="" id="{C1BF439E-74EA-414E-8ED6-D8FFABEBDEF8}"/>
+                <a16:creationId xmlns="" xmlns:a16="http://schemas.microsoft.com/office/drawing/2014/main" id="{C1BF439E-74EA-414E-8ED6-D8FFABEBDEF8}"/>
               </a:ext>
             </a:extLst>
           </p:cNvPr>
@@ -5227,7 +5227,7 @@
           <p:cNvPr id="40" name="Rectangle 39">
             <a:extLst>
               <a:ext uri="{FF2B5EF4-FFF2-40B4-BE49-F238E27FC236}">
-                <a16:creationId xmlns:a16="http://schemas.microsoft.com/office/drawing/2014/main" xmlns="" id="{65BA567A-F4D3-4BF1-B68E-3161545D97C3}"/>
+                <a16:creationId xmlns="" xmlns:a16="http://schemas.microsoft.com/office/drawing/2014/main" id="{65BA567A-F4D3-4BF1-B68E-3161545D97C3}"/>
               </a:ext>
             </a:extLst>
           </p:cNvPr>
@@ -5592,7 +5592,7 @@
           <p:cNvPr id="41" name="Rectangle 40">
             <a:extLst>
               <a:ext uri="{FF2B5EF4-FFF2-40B4-BE49-F238E27FC236}">
-                <a16:creationId xmlns:a16="http://schemas.microsoft.com/office/drawing/2014/main" xmlns="" id="{1FE38ADB-6783-4EEF-B49A-00E8E6598D4C}"/>
+                <a16:creationId xmlns="" xmlns:a16="http://schemas.microsoft.com/office/drawing/2014/main" id="{1FE38ADB-6783-4EEF-B49A-00E8E6598D4C}"/>
               </a:ext>
             </a:extLst>
           </p:cNvPr>
@@ -5644,7 +5644,7 @@
           <p:cNvPr id="42" name="Rectangle 41">
             <a:extLst>
               <a:ext uri="{FF2B5EF4-FFF2-40B4-BE49-F238E27FC236}">
-                <a16:creationId xmlns:a16="http://schemas.microsoft.com/office/drawing/2014/main" xmlns="" id="{E82C9DBD-56F9-408C-A62D-933B5FC1168B}"/>
+                <a16:creationId xmlns="" xmlns:a16="http://schemas.microsoft.com/office/drawing/2014/main" id="{E82C9DBD-56F9-408C-A62D-933B5FC1168B}"/>
               </a:ext>
             </a:extLst>
           </p:cNvPr>
@@ -5918,7 +5918,7 @@
           <p:cNvPr id="46" name="Rectangle 45">
             <a:extLst>
               <a:ext uri="{FF2B5EF4-FFF2-40B4-BE49-F238E27FC236}">
-                <a16:creationId xmlns:a16="http://schemas.microsoft.com/office/drawing/2014/main" xmlns="" id="{8AD99A36-6DED-41F0-86FE-6FF04F8934A1}"/>
+                <a16:creationId xmlns="" xmlns:a16="http://schemas.microsoft.com/office/drawing/2014/main" id="{8AD99A36-6DED-41F0-86FE-6FF04F8934A1}"/>
               </a:ext>
             </a:extLst>
           </p:cNvPr>
@@ -5982,7 +5982,7 @@
           <p:cNvPr id="53" name="Picture 52">
             <a:extLst>
               <a:ext uri="{FF2B5EF4-FFF2-40B4-BE49-F238E27FC236}">
-                <a16:creationId xmlns:a16="http://schemas.microsoft.com/office/drawing/2014/main" xmlns="" id="{5212CEE2-6239-483A-856B-59727A7DAA4B}"/>
+                <a16:creationId xmlns="" xmlns:a16="http://schemas.microsoft.com/office/drawing/2014/main" id="{5212CEE2-6239-483A-856B-59727A7DAA4B}"/>
               </a:ext>
             </a:extLst>
           </p:cNvPr>
@@ -5995,7 +5995,7 @@
           <a:blip r:embed="rId2" cstate="email">
             <a:extLst>
               <a:ext uri="{28A0092B-C50C-407E-A947-70E740481C1C}">
-                <a14:useLocalDpi xmlns:a14="http://schemas.microsoft.com/office/drawing/2010/main" xmlns=""/>
+                <a14:useLocalDpi xmlns="" xmlns:a14="http://schemas.microsoft.com/office/drawing/2010/main"/>
               </a:ext>
             </a:extLst>
           </a:blip>
@@ -6018,7 +6018,7 @@
           <p:cNvPr id="3" name="Picture 2">
             <a:extLst>
               <a:ext uri="{FF2B5EF4-FFF2-40B4-BE49-F238E27FC236}">
-                <a16:creationId xmlns:a16="http://schemas.microsoft.com/office/drawing/2014/main" xmlns="" id="{0494A16B-28CB-422A-BB44-2B0D5DF8A694}"/>
+                <a16:creationId xmlns="" xmlns:a16="http://schemas.microsoft.com/office/drawing/2014/main" id="{0494A16B-28CB-422A-BB44-2B0D5DF8A694}"/>
               </a:ext>
             </a:extLst>
           </p:cNvPr>
@@ -6031,7 +6031,7 @@
           <a:blip r:embed="rId3" cstate="email">
             <a:extLst>
               <a:ext uri="{28A0092B-C50C-407E-A947-70E740481C1C}">
-                <a14:useLocalDpi xmlns:a14="http://schemas.microsoft.com/office/drawing/2010/main" xmlns=""/>
+                <a14:useLocalDpi xmlns="" xmlns:a14="http://schemas.microsoft.com/office/drawing/2010/main"/>
               </a:ext>
             </a:extLst>
           </a:blip>
@@ -6054,7 +6054,7 @@
           <p:cNvPr id="30" name="Picture 29">
             <a:extLst>
               <a:ext uri="{FF2B5EF4-FFF2-40B4-BE49-F238E27FC236}">
-                <a16:creationId xmlns:a16="http://schemas.microsoft.com/office/drawing/2014/main" xmlns="" id="{EAA28A01-43C0-4DBD-99F5-034DE5450C10}"/>
+                <a16:creationId xmlns="" xmlns:a16="http://schemas.microsoft.com/office/drawing/2014/main" id="{EAA28A01-43C0-4DBD-99F5-034DE5450C10}"/>
               </a:ext>
             </a:extLst>
           </p:cNvPr>
@@ -6067,7 +6067,7 @@
           <a:blip r:embed="rId4" cstate="email">
             <a:extLst>
               <a:ext uri="{28A0092B-C50C-407E-A947-70E740481C1C}">
-                <a14:useLocalDpi xmlns:a14="http://schemas.microsoft.com/office/drawing/2010/main" xmlns=""/>
+                <a14:useLocalDpi xmlns="" xmlns:a14="http://schemas.microsoft.com/office/drawing/2010/main"/>
               </a:ext>
             </a:extLst>
           </a:blip>
@@ -6089,7 +6089,7 @@
           <p:cNvPr id="9" name="Picture 8">
             <a:extLst>
               <a:ext uri="{FF2B5EF4-FFF2-40B4-BE49-F238E27FC236}">
-                <a16:creationId xmlns:a16="http://schemas.microsoft.com/office/drawing/2014/main" xmlns="" id="{341FC88E-435F-41C7-AB0D-56B87EDA5F2B}"/>
+                <a16:creationId xmlns="" xmlns:a16="http://schemas.microsoft.com/office/drawing/2014/main" id="{341FC88E-435F-41C7-AB0D-56B87EDA5F2B}"/>
               </a:ext>
             </a:extLst>
           </p:cNvPr>
@@ -6102,7 +6102,7 @@
           <a:blip r:embed="rId5" cstate="email">
             <a:extLst>
               <a:ext uri="{28A0092B-C50C-407E-A947-70E740481C1C}">
-                <a14:useLocalDpi xmlns:a14="http://schemas.microsoft.com/office/drawing/2010/main" xmlns=""/>
+                <a14:useLocalDpi xmlns="" xmlns:a14="http://schemas.microsoft.com/office/drawing/2010/main"/>
               </a:ext>
             </a:extLst>
           </a:blip>
@@ -6124,7 +6124,7 @@
           <p:cNvPr id="39" name="Rectangle 38">
             <a:extLst>
               <a:ext uri="{FF2B5EF4-FFF2-40B4-BE49-F238E27FC236}">
-                <a16:creationId xmlns:a16="http://schemas.microsoft.com/office/drawing/2014/main" xmlns="" id="{D156D074-1996-4349-89B3-EF4E7E2C2D43}"/>
+                <a16:creationId xmlns="" xmlns:a16="http://schemas.microsoft.com/office/drawing/2014/main" id="{D156D074-1996-4349-89B3-EF4E7E2C2D43}"/>
               </a:ext>
             </a:extLst>
           </p:cNvPr>
@@ -6176,7 +6176,7 @@
           <p:cNvPr id="34" name="Rectangle 33">
             <a:extLst>
               <a:ext uri="{FF2B5EF4-FFF2-40B4-BE49-F238E27FC236}">
-                <a16:creationId xmlns:a16="http://schemas.microsoft.com/office/drawing/2014/main" xmlns="" id="{DA071A38-94DB-4B57-BF69-BFD7C0134F86}"/>
+                <a16:creationId xmlns="" xmlns:a16="http://schemas.microsoft.com/office/drawing/2014/main" id="{DA071A38-94DB-4B57-BF69-BFD7C0134F86}"/>
               </a:ext>
             </a:extLst>
           </p:cNvPr>
@@ -6228,7 +6228,7 @@
           <p:cNvPr id="55" name="Rectangle 54">
             <a:extLst>
               <a:ext uri="{FF2B5EF4-FFF2-40B4-BE49-F238E27FC236}">
-                <a16:creationId xmlns:a16="http://schemas.microsoft.com/office/drawing/2014/main" xmlns="" id="{3C84DCE4-5ABC-4A1F-81B7-73468A8CE3E5}"/>
+                <a16:creationId xmlns="" xmlns:a16="http://schemas.microsoft.com/office/drawing/2014/main" id="{3C84DCE4-5ABC-4A1F-81B7-73468A8CE3E5}"/>
               </a:ext>
             </a:extLst>
           </p:cNvPr>
@@ -6522,7 +6522,7 @@
           <p:cNvPr id="11" name="Picture 10">
             <a:extLst>
               <a:ext uri="{FF2B5EF4-FFF2-40B4-BE49-F238E27FC236}">
-                <a16:creationId xmlns:a16="http://schemas.microsoft.com/office/drawing/2014/main" xmlns="" id="{2303F166-1648-4657-913C-307490D85E20}"/>
+                <a16:creationId xmlns="" xmlns:a16="http://schemas.microsoft.com/office/drawing/2014/main" id="{2303F166-1648-4657-913C-307490D85E20}"/>
               </a:ext>
             </a:extLst>
           </p:cNvPr>
@@ -6545,7 +6545,7 @@
             </a:clrChange>
             <a:extLst>
               <a:ext uri="{28A0092B-C50C-407E-A947-70E740481C1C}">
-                <a14:useLocalDpi xmlns:a14="http://schemas.microsoft.com/office/drawing/2010/main" xmlns=""/>
+                <a14:useLocalDpi xmlns="" xmlns:a14="http://schemas.microsoft.com/office/drawing/2010/main"/>
               </a:ext>
             </a:extLst>
           </a:blip>
@@ -6568,7 +6568,7 @@
           <p:cNvPr id="57" name="Rectangle 56">
             <a:extLst>
               <a:ext uri="{FF2B5EF4-FFF2-40B4-BE49-F238E27FC236}">
-                <a16:creationId xmlns:a16="http://schemas.microsoft.com/office/drawing/2014/main" xmlns="" id="{5E7F8EDD-121B-44A8-8668-9062A9CC8FA6}"/>
+                <a16:creationId xmlns="" xmlns:a16="http://schemas.microsoft.com/office/drawing/2014/main" id="{5E7F8EDD-121B-44A8-8668-9062A9CC8FA6}"/>
               </a:ext>
             </a:extLst>
           </p:cNvPr>
@@ -6620,7 +6620,7 @@
           <p:cNvPr id="58" name="Rectangle 57">
             <a:extLst>
               <a:ext uri="{FF2B5EF4-FFF2-40B4-BE49-F238E27FC236}">
-                <a16:creationId xmlns:a16="http://schemas.microsoft.com/office/drawing/2014/main" xmlns="" id="{5DA390E9-52A2-4478-80BB-10CD30F03321}"/>
+                <a16:creationId xmlns="" xmlns:a16="http://schemas.microsoft.com/office/drawing/2014/main" id="{5DA390E9-52A2-4478-80BB-10CD30F03321}"/>
               </a:ext>
             </a:extLst>
           </p:cNvPr>
@@ -6994,7 +6994,7 @@
           <p:cNvPr id="13" name="Picture 12">
             <a:extLst>
               <a:ext uri="{FF2B5EF4-FFF2-40B4-BE49-F238E27FC236}">
-                <a16:creationId xmlns:a16="http://schemas.microsoft.com/office/drawing/2014/main" xmlns="" id="{8D136EC5-5821-473E-B677-FC0ED5B8DA28}"/>
+                <a16:creationId xmlns="" xmlns:a16="http://schemas.microsoft.com/office/drawing/2014/main" id="{8D136EC5-5821-473E-B677-FC0ED5B8DA28}"/>
               </a:ext>
             </a:extLst>
           </p:cNvPr>
@@ -7007,7 +7007,7 @@
           <a:blip r:embed="rId7" cstate="email">
             <a:extLst>
               <a:ext uri="{28A0092B-C50C-407E-A947-70E740481C1C}">
-                <a14:useLocalDpi xmlns:a14="http://schemas.microsoft.com/office/drawing/2010/main" xmlns=""/>
+                <a14:useLocalDpi xmlns="" xmlns:a14="http://schemas.microsoft.com/office/drawing/2010/main"/>
               </a:ext>
             </a:extLst>
           </a:blip>
@@ -7030,7 +7030,7 @@
           <p:cNvPr id="59" name="Rectangle 58">
             <a:extLst>
               <a:ext uri="{FF2B5EF4-FFF2-40B4-BE49-F238E27FC236}">
-                <a16:creationId xmlns:a16="http://schemas.microsoft.com/office/drawing/2014/main" xmlns="" id="{9C867CFA-8076-4FC6-BC5C-6B66FA3546A3}"/>
+                <a16:creationId xmlns="" xmlns:a16="http://schemas.microsoft.com/office/drawing/2014/main" id="{9C867CFA-8076-4FC6-BC5C-6B66FA3546A3}"/>
               </a:ext>
             </a:extLst>
           </p:cNvPr>
@@ -7091,7 +7091,7 @@
           <p:cNvPr id="60" name="Rectangle 59">
             <a:extLst>
               <a:ext uri="{FF2B5EF4-FFF2-40B4-BE49-F238E27FC236}">
-                <a16:creationId xmlns:a16="http://schemas.microsoft.com/office/drawing/2014/main" xmlns="" id="{F1ED44E0-7B1F-410F-AA1F-ABD0A3679A94}"/>
+                <a16:creationId xmlns="" xmlns:a16="http://schemas.microsoft.com/office/drawing/2014/main" id="{F1ED44E0-7B1F-410F-AA1F-ABD0A3679A94}"/>
               </a:ext>
             </a:extLst>
           </p:cNvPr>
@@ -7143,7 +7143,7 @@
           <p:cNvPr id="61" name="Rectangle 60">
             <a:extLst>
               <a:ext uri="{FF2B5EF4-FFF2-40B4-BE49-F238E27FC236}">
-                <a16:creationId xmlns:a16="http://schemas.microsoft.com/office/drawing/2014/main" xmlns="" id="{8FA9D4E2-645F-4F63-8606-840FC8592A45}"/>
+                <a16:creationId xmlns="" xmlns:a16="http://schemas.microsoft.com/office/drawing/2014/main" id="{8FA9D4E2-645F-4F63-8606-840FC8592A45}"/>
               </a:ext>
             </a:extLst>
           </p:cNvPr>
@@ -7575,7 +7575,7 @@
     </p:spTree>
     <p:extLst>
       <p:ext uri="{BB962C8B-B14F-4D97-AF65-F5344CB8AC3E}">
-        <p14:creationId xmlns:p14="http://schemas.microsoft.com/office/powerpoint/2010/main" xmlns="" val="4111934226"/>
+        <p14:creationId xmlns="" xmlns:p14="http://schemas.microsoft.com/office/powerpoint/2010/main" val="4111934226"/>
       </p:ext>
     </p:extLst>
   </p:cSld>
@@ -7614,7 +7614,7 @@
           <p:cNvPr id="29" name="Picture 28">
             <a:extLst>
               <a:ext uri="{FF2B5EF4-FFF2-40B4-BE49-F238E27FC236}">
-                <a16:creationId xmlns:a16="http://schemas.microsoft.com/office/drawing/2014/main" xmlns="" id="{9036AE9A-ADC4-4118-BB58-5BFB6C5CB9AD}"/>
+                <a16:creationId xmlns="" xmlns:a16="http://schemas.microsoft.com/office/drawing/2014/main" id="{9036AE9A-ADC4-4118-BB58-5BFB6C5CB9AD}"/>
               </a:ext>
             </a:extLst>
           </p:cNvPr>
@@ -7627,7 +7627,7 @@
           <a:blip r:embed="rId2" cstate="email">
             <a:extLst>
               <a:ext uri="{28A0092B-C50C-407E-A947-70E740481C1C}">
-                <a14:useLocalDpi xmlns:a14="http://schemas.microsoft.com/office/drawing/2010/main" xmlns=""/>
+                <a14:useLocalDpi xmlns="" xmlns:a14="http://schemas.microsoft.com/office/drawing/2010/main"/>
               </a:ext>
             </a:extLst>
           </a:blip>
@@ -7654,7 +7654,7 @@
           <p:cNvPr id="2" name="Title 1">
             <a:extLst>
               <a:ext uri="{FF2B5EF4-FFF2-40B4-BE49-F238E27FC236}">
-                <a16:creationId xmlns:a16="http://schemas.microsoft.com/office/drawing/2014/main" xmlns="" id="{C1BF439E-74EA-414E-8ED6-D8FFABEBDEF8}"/>
+                <a16:creationId xmlns="" xmlns:a16="http://schemas.microsoft.com/office/drawing/2014/main" id="{C1BF439E-74EA-414E-8ED6-D8FFABEBDEF8}"/>
               </a:ext>
             </a:extLst>
           </p:cNvPr>
@@ -7831,7 +7831,7 @@
           <p:cNvPr id="6" name="Table 5">
             <a:extLst>
               <a:ext uri="{FF2B5EF4-FFF2-40B4-BE49-F238E27FC236}">
-                <a16:creationId xmlns:a16="http://schemas.microsoft.com/office/drawing/2014/main" xmlns="" id="{4A723433-87D0-4700-8C92-E7F3876AB0EE}"/>
+                <a16:creationId xmlns="" xmlns:a16="http://schemas.microsoft.com/office/drawing/2014/main" id="{4A723433-87D0-4700-8C92-E7F3876AB0EE}"/>
               </a:ext>
             </a:extLst>
           </p:cNvPr>
@@ -7841,7 +7841,7 @@
           <p:nvPr>
             <p:extLst>
               <p:ext uri="{D42A27DB-BD31-4B8C-83A1-F6EECF244321}">
-                <p14:modId xmlns:p14="http://schemas.microsoft.com/office/powerpoint/2010/main" xmlns="" val="45638412"/>
+                <p14:modId xmlns="" xmlns:p14="http://schemas.microsoft.com/office/powerpoint/2010/main" val="45638412"/>
               </p:ext>
             </p:extLst>
           </p:nvPr>
@@ -7860,14 +7860,14 @@
                 <a:gridCol w="2262909">
                   <a:extLst>
                     <a:ext uri="{9D8B030D-6E8A-4147-A177-3AD203B41FA5}">
-                      <a16:colId xmlns:a16="http://schemas.microsoft.com/office/drawing/2014/main" xmlns="" val="4229142389"/>
+                      <a16:colId xmlns="" xmlns:a16="http://schemas.microsoft.com/office/drawing/2014/main" val="4229142389"/>
                     </a:ext>
                   </a:extLst>
                 </a:gridCol>
                 <a:gridCol w="1795818">
                   <a:extLst>
                     <a:ext uri="{9D8B030D-6E8A-4147-A177-3AD203B41FA5}">
-                      <a16:colId xmlns:a16="http://schemas.microsoft.com/office/drawing/2014/main" xmlns="" val="1865063586"/>
+                      <a16:colId xmlns="" xmlns:a16="http://schemas.microsoft.com/office/drawing/2014/main" val="1865063586"/>
                     </a:ext>
                   </a:extLst>
                 </a:gridCol>
@@ -7969,7 +7969,7 @@
                 </a:tc>
                 <a:extLst>
                   <a:ext uri="{0D108BD9-81ED-4DB2-BD59-A6C34878D82A}">
-                    <a16:rowId xmlns:a16="http://schemas.microsoft.com/office/drawing/2014/main" xmlns="" val="3809633952"/>
+                    <a16:rowId xmlns="" xmlns:a16="http://schemas.microsoft.com/office/drawing/2014/main" val="3809633952"/>
                   </a:ext>
                 </a:extLst>
               </a:tr>
@@ -8016,7 +8016,7 @@
                 </a:tc>
                 <a:extLst>
                   <a:ext uri="{0D108BD9-81ED-4DB2-BD59-A6C34878D82A}">
-                    <a16:rowId xmlns:a16="http://schemas.microsoft.com/office/drawing/2014/main" xmlns="" val="765728964"/>
+                    <a16:rowId xmlns="" xmlns:a16="http://schemas.microsoft.com/office/drawing/2014/main" val="765728964"/>
                   </a:ext>
                 </a:extLst>
               </a:tr>
@@ -8063,7 +8063,7 @@
                 </a:tc>
                 <a:extLst>
                   <a:ext uri="{0D108BD9-81ED-4DB2-BD59-A6C34878D82A}">
-                    <a16:rowId xmlns:a16="http://schemas.microsoft.com/office/drawing/2014/main" xmlns="" val="3069786089"/>
+                    <a16:rowId xmlns="" xmlns:a16="http://schemas.microsoft.com/office/drawing/2014/main" val="3069786089"/>
                   </a:ext>
                 </a:extLst>
               </a:tr>
@@ -8110,7 +8110,7 @@
                 </a:tc>
                 <a:extLst>
                   <a:ext uri="{0D108BD9-81ED-4DB2-BD59-A6C34878D82A}">
-                    <a16:rowId xmlns:a16="http://schemas.microsoft.com/office/drawing/2014/main" xmlns="" val="301614513"/>
+                    <a16:rowId xmlns="" xmlns:a16="http://schemas.microsoft.com/office/drawing/2014/main" val="301614513"/>
                   </a:ext>
                 </a:extLst>
               </a:tr>
@@ -8157,7 +8157,7 @@
                 </a:tc>
                 <a:extLst>
                   <a:ext uri="{0D108BD9-81ED-4DB2-BD59-A6C34878D82A}">
-                    <a16:rowId xmlns:a16="http://schemas.microsoft.com/office/drawing/2014/main" xmlns="" val="1347461758"/>
+                    <a16:rowId xmlns="" xmlns:a16="http://schemas.microsoft.com/office/drawing/2014/main" val="1347461758"/>
                   </a:ext>
                 </a:extLst>
               </a:tr>
@@ -8204,7 +8204,7 @@
                 </a:tc>
                 <a:extLst>
                   <a:ext uri="{0D108BD9-81ED-4DB2-BD59-A6C34878D82A}">
-                    <a16:rowId xmlns:a16="http://schemas.microsoft.com/office/drawing/2014/main" xmlns="" val="3900249028"/>
+                    <a16:rowId xmlns="" xmlns:a16="http://schemas.microsoft.com/office/drawing/2014/main" val="3900249028"/>
                   </a:ext>
                 </a:extLst>
               </a:tr>
@@ -8217,7 +8217,7 @@
           <p:cNvPr id="12" name="TextBox 11">
             <a:extLst>
               <a:ext uri="{FF2B5EF4-FFF2-40B4-BE49-F238E27FC236}">
-                <a16:creationId xmlns:a16="http://schemas.microsoft.com/office/drawing/2014/main" xmlns="" id="{DF73BCBD-E19C-4E69-9F67-2303EDA3E143}"/>
+                <a16:creationId xmlns="" xmlns:a16="http://schemas.microsoft.com/office/drawing/2014/main" id="{DF73BCBD-E19C-4E69-9F67-2303EDA3E143}"/>
               </a:ext>
             </a:extLst>
           </p:cNvPr>
@@ -8297,7 +8297,7 @@
           <p:cNvPr id="8" name="Picture 7">
             <a:extLst>
               <a:ext uri="{FF2B5EF4-FFF2-40B4-BE49-F238E27FC236}">
-                <a16:creationId xmlns:a16="http://schemas.microsoft.com/office/drawing/2014/main" xmlns="" id="{8802510C-6640-43C5-B5BF-6F2FC19F55A5}"/>
+                <a16:creationId xmlns="" xmlns:a16="http://schemas.microsoft.com/office/drawing/2014/main" id="{8802510C-6640-43C5-B5BF-6F2FC19F55A5}"/>
               </a:ext>
             </a:extLst>
           </p:cNvPr>
@@ -8310,7 +8310,7 @@
           <a:blip r:embed="rId3" cstate="email">
             <a:extLst>
               <a:ext uri="{28A0092B-C50C-407E-A947-70E740481C1C}">
-                <a14:useLocalDpi xmlns:a14="http://schemas.microsoft.com/office/drawing/2010/main" xmlns=""/>
+                <a14:useLocalDpi xmlns="" xmlns:a14="http://schemas.microsoft.com/office/drawing/2010/main"/>
               </a:ext>
             </a:extLst>
           </a:blip>
@@ -8340,7 +8340,7 @@
           <p:cNvPr id="20" name="TextBox 19">
             <a:extLst>
               <a:ext uri="{FF2B5EF4-FFF2-40B4-BE49-F238E27FC236}">
-                <a16:creationId xmlns:a16="http://schemas.microsoft.com/office/drawing/2014/main" xmlns="" id="{5551E9D7-EEF1-43E7-925D-785060E4FB3A}"/>
+                <a16:creationId xmlns="" xmlns:a16="http://schemas.microsoft.com/office/drawing/2014/main" id="{5551E9D7-EEF1-43E7-925D-785060E4FB3A}"/>
               </a:ext>
             </a:extLst>
           </p:cNvPr>
@@ -8446,7 +8446,7 @@
           <p:cNvPr id="21" name="TextBox 20">
             <a:extLst>
               <a:ext uri="{FF2B5EF4-FFF2-40B4-BE49-F238E27FC236}">
-                <a16:creationId xmlns:a16="http://schemas.microsoft.com/office/drawing/2014/main" xmlns="" id="{2B1A4376-B092-4CC0-A036-AFC3FC3ADC8A}"/>
+                <a16:creationId xmlns="" xmlns:a16="http://schemas.microsoft.com/office/drawing/2014/main" id="{2B1A4376-B092-4CC0-A036-AFC3FC3ADC8A}"/>
               </a:ext>
             </a:extLst>
           </p:cNvPr>
@@ -8531,7 +8531,7 @@
           <p:cNvPr id="28" name="Group 27">
             <a:extLst>
               <a:ext uri="{FF2B5EF4-FFF2-40B4-BE49-F238E27FC236}">
-                <a16:creationId xmlns:a16="http://schemas.microsoft.com/office/drawing/2014/main" xmlns="" id="{7A207939-9E73-4D09-8717-00882EBBE5D6}"/>
+                <a16:creationId xmlns="" xmlns:a16="http://schemas.microsoft.com/office/drawing/2014/main" id="{7A207939-9E73-4D09-8717-00882EBBE5D6}"/>
               </a:ext>
             </a:extLst>
           </p:cNvPr>
@@ -8551,7 +8551,7 @@
             <p:cNvPr id="10" name="Straight Arrow Connector 9">
               <a:extLst>
                 <a:ext uri="{FF2B5EF4-FFF2-40B4-BE49-F238E27FC236}">
-                  <a16:creationId xmlns:a16="http://schemas.microsoft.com/office/drawing/2014/main" xmlns="" id="{7899DA12-5A56-4695-A4D9-30E53613317D}"/>
+                  <a16:creationId xmlns="" xmlns:a16="http://schemas.microsoft.com/office/drawing/2014/main" id="{7899DA12-5A56-4695-A4D9-30E53613317D}"/>
                 </a:ext>
               </a:extLst>
             </p:cNvPr>
@@ -8595,7 +8595,7 @@
             <p:cNvPr id="22" name="Straight Arrow Connector 21">
               <a:extLst>
                 <a:ext uri="{FF2B5EF4-FFF2-40B4-BE49-F238E27FC236}">
-                  <a16:creationId xmlns:a16="http://schemas.microsoft.com/office/drawing/2014/main" xmlns="" id="{4AEB924D-1464-4910-B612-6536E4F55A28}"/>
+                  <a16:creationId xmlns="" xmlns:a16="http://schemas.microsoft.com/office/drawing/2014/main" id="{4AEB924D-1464-4910-B612-6536E4F55A28}"/>
                 </a:ext>
               </a:extLst>
             </p:cNvPr>
@@ -8638,7 +8638,7 @@
     </p:spTree>
     <p:extLst>
       <p:ext uri="{BB962C8B-B14F-4D97-AF65-F5344CB8AC3E}">
-        <p14:creationId xmlns:p14="http://schemas.microsoft.com/office/powerpoint/2010/main" xmlns="" val="333907716"/>
+        <p14:creationId xmlns="" xmlns:p14="http://schemas.microsoft.com/office/powerpoint/2010/main" val="333907716"/>
       </p:ext>
     </p:extLst>
   </p:cSld>
@@ -8685,7 +8685,7 @@
           <p:cNvPr id="2" name="Title 1">
             <a:extLst>
               <a:ext uri="{FF2B5EF4-FFF2-40B4-BE49-F238E27FC236}">
-                <a16:creationId xmlns:a16="http://schemas.microsoft.com/office/drawing/2014/main" xmlns="" id="{C1BF439E-74EA-414E-8ED6-D8FFABEBDEF8}"/>
+                <a16:creationId xmlns="" xmlns:a16="http://schemas.microsoft.com/office/drawing/2014/main" id="{C1BF439E-74EA-414E-8ED6-D8FFABEBDEF8}"/>
               </a:ext>
             </a:extLst>
           </p:cNvPr>
@@ -8837,7 +8837,7 @@
           <p:cNvPr id="13" name="Picture 12">
             <a:extLst>
               <a:ext uri="{FF2B5EF4-FFF2-40B4-BE49-F238E27FC236}">
-                <a16:creationId xmlns:a16="http://schemas.microsoft.com/office/drawing/2014/main" xmlns="" id="{C4CF412A-E6FC-4938-96AC-6F976985068B}"/>
+                <a16:creationId xmlns="" xmlns:a16="http://schemas.microsoft.com/office/drawing/2014/main" id="{C4CF412A-E6FC-4938-96AC-6F976985068B}"/>
               </a:ext>
             </a:extLst>
           </p:cNvPr>
@@ -8850,7 +8850,7 @@
           <a:blip r:embed="rId2" cstate="email">
             <a:extLst>
               <a:ext uri="{BEBA8EAE-BF5A-486C-A8C5-ECC9F3942E4B}">
-                <a14:imgProps xmlns:a14="http://schemas.microsoft.com/office/drawing/2010/main" xmlns="">
+                <a14:imgProps xmlns="" xmlns:a14="http://schemas.microsoft.com/office/drawing/2010/main">
                   <a14:imgLayer r:embed="rId3">
                     <a14:imgEffect>
                       <a14:brightnessContrast contrast="40000"/>
@@ -8859,7 +8859,7 @@
                 </a14:imgProps>
               </a:ext>
               <a:ext uri="{28A0092B-C50C-407E-A947-70E740481C1C}">
-                <a14:useLocalDpi xmlns:a14="http://schemas.microsoft.com/office/drawing/2010/main" xmlns=""/>
+                <a14:useLocalDpi xmlns="" xmlns:a14="http://schemas.microsoft.com/office/drawing/2010/main"/>
               </a:ext>
             </a:extLst>
           </a:blip>
@@ -8881,7 +8881,7 @@
           <p:cNvPr id="14" name="Picture 13">
             <a:extLst>
               <a:ext uri="{FF2B5EF4-FFF2-40B4-BE49-F238E27FC236}">
-                <a16:creationId xmlns:a16="http://schemas.microsoft.com/office/drawing/2014/main" xmlns="" id="{951EFFB9-2632-4AC5-82FB-9AB585FD938D}"/>
+                <a16:creationId xmlns="" xmlns:a16="http://schemas.microsoft.com/office/drawing/2014/main" id="{951EFFB9-2632-4AC5-82FB-9AB585FD938D}"/>
               </a:ext>
             </a:extLst>
           </p:cNvPr>
@@ -8894,7 +8894,7 @@
           <a:blip r:embed="rId4" cstate="email">
             <a:extLst>
               <a:ext uri="{BEBA8EAE-BF5A-486C-A8C5-ECC9F3942E4B}">
-                <a14:imgProps xmlns:a14="http://schemas.microsoft.com/office/drawing/2010/main" xmlns="">
+                <a14:imgProps xmlns="" xmlns:a14="http://schemas.microsoft.com/office/drawing/2010/main">
                   <a14:imgLayer r:embed="rId5">
                     <a14:imgEffect>
                       <a14:brightnessContrast contrast="40000"/>
@@ -8903,7 +8903,7 @@
                 </a14:imgProps>
               </a:ext>
               <a:ext uri="{28A0092B-C50C-407E-A947-70E740481C1C}">
-                <a14:useLocalDpi xmlns:a14="http://schemas.microsoft.com/office/drawing/2010/main" xmlns=""/>
+                <a14:useLocalDpi xmlns="" xmlns:a14="http://schemas.microsoft.com/office/drawing/2010/main"/>
               </a:ext>
             </a:extLst>
           </a:blip>
@@ -8925,7 +8925,7 @@
           <p:cNvPr id="15" name="TextBox 14">
             <a:extLst>
               <a:ext uri="{FF2B5EF4-FFF2-40B4-BE49-F238E27FC236}">
-                <a16:creationId xmlns:a16="http://schemas.microsoft.com/office/drawing/2014/main" xmlns="" id="{CD0C4C2A-0574-4F3A-8741-917EE2669277}"/>
+                <a16:creationId xmlns="" xmlns:a16="http://schemas.microsoft.com/office/drawing/2014/main" id="{CD0C4C2A-0574-4F3A-8741-917EE2669277}"/>
               </a:ext>
             </a:extLst>
           </p:cNvPr>
@@ -8962,7 +8962,7 @@
           <p:cNvPr id="16" name="TextBox 15">
             <a:extLst>
               <a:ext uri="{FF2B5EF4-FFF2-40B4-BE49-F238E27FC236}">
-                <a16:creationId xmlns:a16="http://schemas.microsoft.com/office/drawing/2014/main" xmlns="" id="{D0486FFE-8012-44D3-9E65-EDC941734520}"/>
+                <a16:creationId xmlns="" xmlns:a16="http://schemas.microsoft.com/office/drawing/2014/main" id="{D0486FFE-8012-44D3-9E65-EDC941734520}"/>
               </a:ext>
             </a:extLst>
           </p:cNvPr>
@@ -8999,7 +8999,7 @@
           <p:cNvPr id="17" name="Table 16">
             <a:extLst>
               <a:ext uri="{FF2B5EF4-FFF2-40B4-BE49-F238E27FC236}">
-                <a16:creationId xmlns:a16="http://schemas.microsoft.com/office/drawing/2014/main" xmlns="" id="{1A084A99-89B1-4752-8D6A-56003E025712}"/>
+                <a16:creationId xmlns="" xmlns:a16="http://schemas.microsoft.com/office/drawing/2014/main" id="{1A084A99-89B1-4752-8D6A-56003E025712}"/>
               </a:ext>
             </a:extLst>
           </p:cNvPr>
@@ -9009,7 +9009,7 @@
           <p:nvPr>
             <p:extLst>
               <p:ext uri="{D42A27DB-BD31-4B8C-83A1-F6EECF244321}">
-                <p14:modId xmlns:p14="http://schemas.microsoft.com/office/powerpoint/2010/main" xmlns="" val="4133519406"/>
+                <p14:modId xmlns="" xmlns:p14="http://schemas.microsoft.com/office/powerpoint/2010/main" val="4133519406"/>
               </p:ext>
             </p:extLst>
           </p:nvPr>
@@ -9028,14 +9028,14 @@
                 <a:gridCol w="1488128">
                   <a:extLst>
                     <a:ext uri="{9D8B030D-6E8A-4147-A177-3AD203B41FA5}">
-                      <a16:colId xmlns:a16="http://schemas.microsoft.com/office/drawing/2014/main" xmlns="" val="4010566948"/>
+                      <a16:colId xmlns="" xmlns:a16="http://schemas.microsoft.com/office/drawing/2014/main" val="4010566948"/>
                     </a:ext>
                   </a:extLst>
                 </a:gridCol>
                 <a:gridCol w="3075710">
                   <a:extLst>
                     <a:ext uri="{9D8B030D-6E8A-4147-A177-3AD203B41FA5}">
-                      <a16:colId xmlns:a16="http://schemas.microsoft.com/office/drawing/2014/main" xmlns="" val="2099828529"/>
+                      <a16:colId xmlns="" xmlns:a16="http://schemas.microsoft.com/office/drawing/2014/main" val="2099828529"/>
                     </a:ext>
                   </a:extLst>
                 </a:gridCol>
@@ -9144,7 +9144,7 @@
                 </a:tc>
                 <a:extLst>
                   <a:ext uri="{0D108BD9-81ED-4DB2-BD59-A6C34878D82A}">
-                    <a16:rowId xmlns:a16="http://schemas.microsoft.com/office/drawing/2014/main" xmlns="" val="2758896496"/>
+                    <a16:rowId xmlns="" xmlns:a16="http://schemas.microsoft.com/office/drawing/2014/main" val="2758896496"/>
                   </a:ext>
                 </a:extLst>
               </a:tr>
@@ -9241,7 +9241,7 @@
                 </a:tc>
                 <a:extLst>
                   <a:ext uri="{0D108BD9-81ED-4DB2-BD59-A6C34878D82A}">
-                    <a16:rowId xmlns:a16="http://schemas.microsoft.com/office/drawing/2014/main" xmlns="" val="1892976142"/>
+                    <a16:rowId xmlns="" xmlns:a16="http://schemas.microsoft.com/office/drawing/2014/main" val="1892976142"/>
                   </a:ext>
                 </a:extLst>
               </a:tr>
@@ -9362,7 +9362,7 @@
                 </a:tc>
                 <a:extLst>
                   <a:ext uri="{0D108BD9-81ED-4DB2-BD59-A6C34878D82A}">
-                    <a16:rowId xmlns:a16="http://schemas.microsoft.com/office/drawing/2014/main" xmlns="" val="64594143"/>
+                    <a16:rowId xmlns="" xmlns:a16="http://schemas.microsoft.com/office/drawing/2014/main" val="64594143"/>
                   </a:ext>
                 </a:extLst>
               </a:tr>
@@ -9443,7 +9443,7 @@
                 </a:tc>
                 <a:extLst>
                   <a:ext uri="{0D108BD9-81ED-4DB2-BD59-A6C34878D82A}">
-                    <a16:rowId xmlns:a16="http://schemas.microsoft.com/office/drawing/2014/main" xmlns="" val="354719362"/>
+                    <a16:rowId xmlns="" xmlns:a16="http://schemas.microsoft.com/office/drawing/2014/main" val="354719362"/>
                   </a:ext>
                 </a:extLst>
               </a:tr>
@@ -9456,7 +9456,7 @@
           <p:cNvPr id="83" name="Picture 82">
             <a:extLst>
               <a:ext uri="{FF2B5EF4-FFF2-40B4-BE49-F238E27FC236}">
-                <a16:creationId xmlns:a16="http://schemas.microsoft.com/office/drawing/2014/main" xmlns="" id="{255C1B65-9D66-4A9E-9E3F-E8F8DFACB9CE}"/>
+                <a16:creationId xmlns="" xmlns:a16="http://schemas.microsoft.com/office/drawing/2014/main" id="{255C1B65-9D66-4A9E-9E3F-E8F8DFACB9CE}"/>
               </a:ext>
             </a:extLst>
           </p:cNvPr>
@@ -9469,7 +9469,7 @@
           <a:blip r:embed="rId6" cstate="email">
             <a:extLst>
               <a:ext uri="{28A0092B-C50C-407E-A947-70E740481C1C}">
-                <a14:useLocalDpi xmlns:a14="http://schemas.microsoft.com/office/drawing/2010/main" xmlns=""/>
+                <a14:useLocalDpi xmlns="" xmlns:a14="http://schemas.microsoft.com/office/drawing/2010/main"/>
               </a:ext>
             </a:extLst>
           </a:blip>
@@ -9491,7 +9491,7 @@
           <p:cNvPr id="85" name="Picture 84">
             <a:extLst>
               <a:ext uri="{FF2B5EF4-FFF2-40B4-BE49-F238E27FC236}">
-                <a16:creationId xmlns:a16="http://schemas.microsoft.com/office/drawing/2014/main" xmlns="" id="{CB3D3FA0-DC8D-4F70-BB62-431197ED8345}"/>
+                <a16:creationId xmlns="" xmlns:a16="http://schemas.microsoft.com/office/drawing/2014/main" id="{CB3D3FA0-DC8D-4F70-BB62-431197ED8345}"/>
               </a:ext>
             </a:extLst>
           </p:cNvPr>
@@ -9504,7 +9504,7 @@
           <a:blip r:embed="rId7" cstate="email">
             <a:extLst>
               <a:ext uri="{28A0092B-C50C-407E-A947-70E740481C1C}">
-                <a14:useLocalDpi xmlns:a14="http://schemas.microsoft.com/office/drawing/2010/main" xmlns=""/>
+                <a14:useLocalDpi xmlns="" xmlns:a14="http://schemas.microsoft.com/office/drawing/2010/main"/>
               </a:ext>
             </a:extLst>
           </a:blip>
@@ -9526,7 +9526,7 @@
           <p:cNvPr id="86" name="Picture 85">
             <a:extLst>
               <a:ext uri="{FF2B5EF4-FFF2-40B4-BE49-F238E27FC236}">
-                <a16:creationId xmlns:a16="http://schemas.microsoft.com/office/drawing/2014/main" xmlns="" id="{E11BC109-513A-43E7-849C-B282575C95AA}"/>
+                <a16:creationId xmlns="" xmlns:a16="http://schemas.microsoft.com/office/drawing/2014/main" id="{E11BC109-513A-43E7-849C-B282575C95AA}"/>
               </a:ext>
             </a:extLst>
           </p:cNvPr>
@@ -9539,7 +9539,7 @@
           <a:blip r:embed="rId8" cstate="email">
             <a:extLst>
               <a:ext uri="{28A0092B-C50C-407E-A947-70E740481C1C}">
-                <a14:useLocalDpi xmlns:a14="http://schemas.microsoft.com/office/drawing/2010/main" xmlns=""/>
+                <a14:useLocalDpi xmlns="" xmlns:a14="http://schemas.microsoft.com/office/drawing/2010/main"/>
               </a:ext>
             </a:extLst>
           </a:blip>
@@ -9561,7 +9561,7 @@
           <p:cNvPr id="87" name="Rectangle 86">
             <a:extLst>
               <a:ext uri="{FF2B5EF4-FFF2-40B4-BE49-F238E27FC236}">
-                <a16:creationId xmlns:a16="http://schemas.microsoft.com/office/drawing/2014/main" xmlns="" id="{0421CE7C-9D6D-4C30-8796-B91A6623999C}"/>
+                <a16:creationId xmlns="" xmlns:a16="http://schemas.microsoft.com/office/drawing/2014/main" id="{0421CE7C-9D6D-4C30-8796-B91A6623999C}"/>
               </a:ext>
             </a:extLst>
           </p:cNvPr>
@@ -9631,7 +9631,7 @@
           <p:cNvPr id="88" name="TextBox 87">
             <a:extLst>
               <a:ext uri="{FF2B5EF4-FFF2-40B4-BE49-F238E27FC236}">
-                <a16:creationId xmlns:a16="http://schemas.microsoft.com/office/drawing/2014/main" xmlns="" id="{1B002CFC-D9FF-4571-A411-CB0ADFC6E43F}"/>
+                <a16:creationId xmlns="" xmlns:a16="http://schemas.microsoft.com/office/drawing/2014/main" id="{1B002CFC-D9FF-4571-A411-CB0ADFC6E43F}"/>
               </a:ext>
             </a:extLst>
           </p:cNvPr>
@@ -9727,7 +9727,7 @@
           <p:cNvPr id="89" name="TextBox 88">
             <a:extLst>
               <a:ext uri="{FF2B5EF4-FFF2-40B4-BE49-F238E27FC236}">
-                <a16:creationId xmlns:a16="http://schemas.microsoft.com/office/drawing/2014/main" xmlns="" id="{6793F1EA-2BDB-4CB7-BFED-E4A84F8A52C5}"/>
+                <a16:creationId xmlns="" xmlns:a16="http://schemas.microsoft.com/office/drawing/2014/main" id="{6793F1EA-2BDB-4CB7-BFED-E4A84F8A52C5}"/>
               </a:ext>
             </a:extLst>
           </p:cNvPr>
@@ -9791,7 +9791,7 @@
           <p:cNvPr id="90" name="TextBox 89">
             <a:extLst>
               <a:ext uri="{FF2B5EF4-FFF2-40B4-BE49-F238E27FC236}">
-                <a16:creationId xmlns:a16="http://schemas.microsoft.com/office/drawing/2014/main" xmlns="" id="{DFDB2EFA-B977-4AD0-B0C4-75570B63EE42}"/>
+                <a16:creationId xmlns="" xmlns:a16="http://schemas.microsoft.com/office/drawing/2014/main" id="{DFDB2EFA-B977-4AD0-B0C4-75570B63EE42}"/>
               </a:ext>
             </a:extLst>
           </p:cNvPr>
@@ -9843,7 +9843,7 @@
           <p:cNvPr id="91" name="TextBox 90">
             <a:extLst>
               <a:ext uri="{FF2B5EF4-FFF2-40B4-BE49-F238E27FC236}">
-                <a16:creationId xmlns:a16="http://schemas.microsoft.com/office/drawing/2014/main" xmlns="" id="{B0696540-4757-4B7E-AE39-2DAF73F1E2F2}"/>
+                <a16:creationId xmlns="" xmlns:a16="http://schemas.microsoft.com/office/drawing/2014/main" id="{B0696540-4757-4B7E-AE39-2DAF73F1E2F2}"/>
               </a:ext>
             </a:extLst>
           </p:cNvPr>
@@ -9880,7 +9880,7 @@
           <p:cNvPr id="92" name="TextBox 91">
             <a:extLst>
               <a:ext uri="{FF2B5EF4-FFF2-40B4-BE49-F238E27FC236}">
-                <a16:creationId xmlns:a16="http://schemas.microsoft.com/office/drawing/2014/main" xmlns="" id="{ED5D93DF-0812-4319-91F4-B5F749E9E605}"/>
+                <a16:creationId xmlns="" xmlns:a16="http://schemas.microsoft.com/office/drawing/2014/main" id="{ED5D93DF-0812-4319-91F4-B5F749E9E605}"/>
               </a:ext>
             </a:extLst>
           </p:cNvPr>
@@ -9917,7 +9917,7 @@
           <p:cNvPr id="93" name="TextBox 92">
             <a:extLst>
               <a:ext uri="{FF2B5EF4-FFF2-40B4-BE49-F238E27FC236}">
-                <a16:creationId xmlns:a16="http://schemas.microsoft.com/office/drawing/2014/main" xmlns="" id="{F10C16F3-CAB2-4F8A-A72B-91F6BA6B747C}"/>
+                <a16:creationId xmlns="" xmlns:a16="http://schemas.microsoft.com/office/drawing/2014/main" id="{F10C16F3-CAB2-4F8A-A72B-91F6BA6B747C}"/>
               </a:ext>
             </a:extLst>
           </p:cNvPr>
@@ -9958,7 +9958,7 @@
           <p:cNvPr id="94" name="TextBox 93">
             <a:extLst>
               <a:ext uri="{FF2B5EF4-FFF2-40B4-BE49-F238E27FC236}">
-                <a16:creationId xmlns:a16="http://schemas.microsoft.com/office/drawing/2014/main" xmlns="" id="{4E2E0ED0-AE11-48C4-B7D7-F1CDE50B0623}"/>
+                <a16:creationId xmlns="" xmlns:a16="http://schemas.microsoft.com/office/drawing/2014/main" id="{4E2E0ED0-AE11-48C4-B7D7-F1CDE50B0623}"/>
               </a:ext>
             </a:extLst>
           </p:cNvPr>
@@ -10099,7 +10099,7 @@
     </p:spTree>
     <p:extLst>
       <p:ext uri="{BB962C8B-B14F-4D97-AF65-F5344CB8AC3E}">
-        <p14:creationId xmlns:p14="http://schemas.microsoft.com/office/powerpoint/2010/main" xmlns="" val="3290824135"/>
+        <p14:creationId xmlns="" xmlns:p14="http://schemas.microsoft.com/office/powerpoint/2010/main" val="3290824135"/>
       </p:ext>
     </p:extLst>
   </p:cSld>
@@ -10138,7 +10138,7 @@
           <p:cNvPr id="2" name="Title 1">
             <a:extLst>
               <a:ext uri="{FF2B5EF4-FFF2-40B4-BE49-F238E27FC236}">
-                <a16:creationId xmlns:a16="http://schemas.microsoft.com/office/drawing/2014/main" xmlns="" id="{9575920D-6349-457B-8283-EDD6930374F6}"/>
+                <a16:creationId xmlns="" xmlns:a16="http://schemas.microsoft.com/office/drawing/2014/main" id="{9575920D-6349-457B-8283-EDD6930374F6}"/>
               </a:ext>
             </a:extLst>
           </p:cNvPr>
@@ -10223,7 +10223,7 @@
       </p:sp>
       <p:pic>
         <p:nvPicPr>
-          <p:cNvPr id="1032" name="Picture 8"/>
+          <p:cNvPr id="2050" name="Picture 2"/>
           <p:cNvPicPr>
             <a:picLocks noChangeAspect="1" noChangeArrowheads="1"/>
           </p:cNvPicPr>
@@ -10238,8 +10238,8 @@
         </p:blipFill>
         <p:spPr bwMode="auto">
           <a:xfrm>
-            <a:off x="1003300" y="767069"/>
-            <a:ext cx="10020300" cy="5721616"/>
+            <a:off x="622300" y="800100"/>
+            <a:ext cx="10799829" cy="5740399"/>
           </a:xfrm>
           <a:prstGeom prst="rect">
             <a:avLst/>
@@ -10257,7 +10257,7 @@
     </p:spTree>
     <p:extLst>
       <p:ext uri="{BB962C8B-B14F-4D97-AF65-F5344CB8AC3E}">
-        <p14:creationId xmlns:p14="http://schemas.microsoft.com/office/powerpoint/2010/main" xmlns="" val="3216785082"/>
+        <p14:creationId xmlns="" xmlns:p14="http://schemas.microsoft.com/office/powerpoint/2010/main" val="3216785082"/>
       </p:ext>
     </p:extLst>
   </p:cSld>
@@ -10296,7 +10296,7 @@
           <p:cNvPr id="6" name="Title 1">
             <a:extLst>
               <a:ext uri="{FF2B5EF4-FFF2-40B4-BE49-F238E27FC236}">
-                <a16:creationId xmlns:a16="http://schemas.microsoft.com/office/drawing/2014/main" xmlns="" id="{9575920D-6349-457B-8283-EDD6930374F6}"/>
+                <a16:creationId xmlns="" xmlns:a16="http://schemas.microsoft.com/office/drawing/2014/main" id="{9575920D-6349-457B-8283-EDD6930374F6}"/>
               </a:ext>
             </a:extLst>
           </p:cNvPr>
@@ -10627,7 +10627,7 @@
       </p:sp>
       <p:pic>
         <p:nvPicPr>
-          <p:cNvPr id="2051" name="Picture 3"/>
+          <p:cNvPr id="1027" name="Picture 3"/>
           <p:cNvPicPr>
             <a:picLocks noChangeAspect="1" noChangeArrowheads="1"/>
           </p:cNvPicPr>
@@ -10642,8 +10642,8 @@
         </p:blipFill>
         <p:spPr bwMode="auto">
           <a:xfrm>
-            <a:off x="1104901" y="982827"/>
-            <a:ext cx="9982199" cy="5570372"/>
+            <a:off x="881061" y="977900"/>
+            <a:ext cx="10486167" cy="5524500"/>
           </a:xfrm>
           <a:prstGeom prst="rect">
             <a:avLst/>
@@ -10661,7 +10661,7 @@
     </p:spTree>
     <p:extLst>
       <p:ext uri="{BB962C8B-B14F-4D97-AF65-F5344CB8AC3E}">
-        <p14:creationId xmlns:p14="http://schemas.microsoft.com/office/powerpoint/2010/main" xmlns="" val="3216785082"/>
+        <p14:creationId xmlns="" xmlns:p14="http://schemas.microsoft.com/office/powerpoint/2010/main" val="3216785082"/>
       </p:ext>
     </p:extLst>
   </p:cSld>
@@ -10698,7 +10698,7 @@
     </p:spTree>
     <p:extLst>
       <p:ext uri="{BB962C8B-B14F-4D97-AF65-F5344CB8AC3E}">
-        <p14:creationId xmlns:p14="http://schemas.microsoft.com/office/powerpoint/2010/main" xmlns="" val="1519000729"/>
+        <p14:creationId xmlns="" xmlns:p14="http://schemas.microsoft.com/office/powerpoint/2010/main" val="1519000729"/>
       </p:ext>
     </p:extLst>
   </p:cSld>
@@ -10970,7 +10970,7 @@
   <a:extraClrSchemeLst/>
   <a:extLst>
     <a:ext uri="{05A4C25C-085E-4340-85A3-A5531E510DB2}">
-      <thm15:themeFamily xmlns:thm15="http://schemas.microsoft.com/office/thememl/2012/main" xmlns="" name="Office Theme" id="{62F939B6-93AF-4DB8-9C6B-D6C7DFDC589F}" vid="{4A3C46E8-61CC-4603-A589-7422A47A8E4A}"/>
+      <thm15:themeFamily xmlns="" xmlns:thm15="http://schemas.microsoft.com/office/thememl/2012/main" name="Office Theme" id="{62F939B6-93AF-4DB8-9C6B-D6C7DFDC589F}" vid="{4A3C46E8-61CC-4603-A589-7422A47A8E4A}"/>
     </a:ext>
   </a:extLst>
 </a:theme>

--- a/Analisis Pendahuluan PKL Tanah Abang.pptx
+++ b/Analisis Pendahuluan PKL Tanah Abang.pptx
@@ -111,7 +111,7 @@
   </p:defaultTextStyle>
   <p:extLst>
     <p:ext uri="{521415D9-36F7-43E2-AB2F-B90AF26B5E84}">
-      <p14:sectionLst xmlns:p14="http://schemas.microsoft.com/office/powerpoint/2010/main" xmlns="">
+      <p14:sectionLst xmlns="" xmlns:p14="http://schemas.microsoft.com/office/powerpoint/2010/main">
         <p14:section name="Default Section" id="{A2EC3207-5504-452C-86C4-0360466218F3}">
           <p14:sldIdLst>
             <p14:sldId id="262"/>
@@ -127,7 +127,7 @@
       </p14:sectionLst>
     </p:ext>
     <p:ext uri="{EFAFB233-063F-42B5-8137-9DF3F51BA10A}">
-      <p15:sldGuideLst xmlns:p15="http://schemas.microsoft.com/office/powerpoint/2012/main" xmlns=""/>
+      <p15:sldGuideLst xmlns="" xmlns:p15="http://schemas.microsoft.com/office/powerpoint/2012/main"/>
     </p:ext>
   </p:extLst>
 </p:presentation>
@@ -138,7 +138,7 @@
   <p:cmAuthor id="1" name="Data 1" initials="D1" lastIdx="1" clrIdx="0">
     <p:extLst>
       <p:ext uri="{19B8F6BF-5375-455C-9EA6-DF929625EA0E}">
-        <p15:presenceInfo xmlns:p15="http://schemas.microsoft.com/office/powerpoint/2012/main" xmlns="" userId="Data 1" providerId="None"/>
+        <p15:presenceInfo xmlns="" xmlns:p15="http://schemas.microsoft.com/office/powerpoint/2012/main" userId="Data 1" providerId="None"/>
       </p:ext>
     </p:extLst>
   </p:cmAuthor>
@@ -178,7 +178,7 @@
           <a:blip r:embed="rId2" cstate="email">
             <a:extLst>
               <a:ext uri="{28A0092B-C50C-407E-A947-70E740481C1C}">
-                <a14:useLocalDpi xmlns:a14="http://schemas.microsoft.com/office/drawing/2010/main" xmlns=""/>
+                <a14:useLocalDpi xmlns="" xmlns:a14="http://schemas.microsoft.com/office/drawing/2010/main"/>
               </a:ext>
             </a:extLst>
           </a:blip>
@@ -523,7 +523,7 @@
     </p:spTree>
     <p:extLst>
       <p:ext uri="{BB962C8B-B14F-4D97-AF65-F5344CB8AC3E}">
-        <p14:creationId xmlns:p14="http://schemas.microsoft.com/office/powerpoint/2010/main" xmlns="" val="1968009058"/>
+        <p14:creationId xmlns="" xmlns:p14="http://schemas.microsoft.com/office/powerpoint/2010/main" val="1968009058"/>
       </p:ext>
     </p:extLst>
   </p:cSld>
@@ -562,7 +562,7 @@
           <a:blip r:embed="rId2" cstate="email">
             <a:extLst>
               <a:ext uri="{28A0092B-C50C-407E-A947-70E740481C1C}">
-                <a14:useLocalDpi xmlns:a14="http://schemas.microsoft.com/office/drawing/2010/main" xmlns=""/>
+                <a14:useLocalDpi xmlns="" xmlns:a14="http://schemas.microsoft.com/office/drawing/2010/main"/>
               </a:ext>
             </a:extLst>
           </a:blip>
@@ -583,7 +583,7 @@
     </p:spTree>
     <p:extLst>
       <p:ext uri="{BB962C8B-B14F-4D97-AF65-F5344CB8AC3E}">
-        <p14:creationId xmlns:p14="http://schemas.microsoft.com/office/powerpoint/2010/main" xmlns="" val="263930131"/>
+        <p14:creationId xmlns="" xmlns:p14="http://schemas.microsoft.com/office/powerpoint/2010/main" val="263930131"/>
       </p:ext>
     </p:extLst>
   </p:cSld>
@@ -622,7 +622,7 @@
           <a:blip r:embed="rId2" cstate="email">
             <a:extLst>
               <a:ext uri="{28A0092B-C50C-407E-A947-70E740481C1C}">
-                <a14:useLocalDpi xmlns:a14="http://schemas.microsoft.com/office/drawing/2010/main" xmlns=""/>
+                <a14:useLocalDpi xmlns="" xmlns:a14="http://schemas.microsoft.com/office/drawing/2010/main"/>
               </a:ext>
             </a:extLst>
           </a:blip>
@@ -643,7 +643,7 @@
     </p:spTree>
     <p:extLst>
       <p:ext uri="{BB962C8B-B14F-4D97-AF65-F5344CB8AC3E}">
-        <p14:creationId xmlns:p14="http://schemas.microsoft.com/office/powerpoint/2010/main" xmlns="" val="3719468208"/>
+        <p14:creationId xmlns="" xmlns:p14="http://schemas.microsoft.com/office/powerpoint/2010/main" val="3719468208"/>
       </p:ext>
     </p:extLst>
   </p:cSld>
@@ -682,7 +682,7 @@
           <a:blip r:embed="rId2" cstate="email">
             <a:extLst>
               <a:ext uri="{28A0092B-C50C-407E-A947-70E740481C1C}">
-                <a14:useLocalDpi xmlns:a14="http://schemas.microsoft.com/office/drawing/2010/main" xmlns=""/>
+                <a14:useLocalDpi xmlns="" xmlns:a14="http://schemas.microsoft.com/office/drawing/2010/main"/>
               </a:ext>
             </a:extLst>
           </a:blip>
@@ -899,7 +899,7 @@
     </p:spTree>
     <p:extLst>
       <p:ext uri="{BB962C8B-B14F-4D97-AF65-F5344CB8AC3E}">
-        <p14:creationId xmlns:p14="http://schemas.microsoft.com/office/powerpoint/2010/main" xmlns="" val="2049627226"/>
+        <p14:creationId xmlns="" xmlns:p14="http://schemas.microsoft.com/office/powerpoint/2010/main" val="2049627226"/>
       </p:ext>
     </p:extLst>
   </p:cSld>
@@ -1089,7 +1089,7 @@
     </p:spTree>
     <p:extLst>
       <p:ext uri="{BB962C8B-B14F-4D97-AF65-F5344CB8AC3E}">
-        <p14:creationId xmlns:p14="http://schemas.microsoft.com/office/powerpoint/2010/main" xmlns="" val="3069950828"/>
+        <p14:creationId xmlns="" xmlns:p14="http://schemas.microsoft.com/office/powerpoint/2010/main" val="3069950828"/>
       </p:ext>
     </p:extLst>
   </p:cSld>
@@ -1128,7 +1128,7 @@
           <a:blip r:embed="rId2" cstate="email">
             <a:extLst>
               <a:ext uri="{28A0092B-C50C-407E-A947-70E740481C1C}">
-                <a14:useLocalDpi xmlns:a14="http://schemas.microsoft.com/office/drawing/2010/main" xmlns=""/>
+                <a14:useLocalDpi xmlns="" xmlns:a14="http://schemas.microsoft.com/office/drawing/2010/main"/>
               </a:ext>
             </a:extLst>
           </a:blip>
@@ -1158,7 +1158,7 @@
           <a:blip r:embed="rId3" cstate="email">
             <a:extLst>
               <a:ext uri="{28A0092B-C50C-407E-A947-70E740481C1C}">
-                <a14:useLocalDpi xmlns:a14="http://schemas.microsoft.com/office/drawing/2010/main" xmlns=""/>
+                <a14:useLocalDpi xmlns="" xmlns:a14="http://schemas.microsoft.com/office/drawing/2010/main"/>
               </a:ext>
             </a:extLst>
           </a:blip>
@@ -1342,7 +1342,7 @@
     </p:spTree>
     <p:extLst>
       <p:ext uri="{BB962C8B-B14F-4D97-AF65-F5344CB8AC3E}">
-        <p14:creationId xmlns:p14="http://schemas.microsoft.com/office/powerpoint/2010/main" xmlns="" val="1762842516"/>
+        <p14:creationId xmlns="" xmlns:p14="http://schemas.microsoft.com/office/powerpoint/2010/main" val="1762842516"/>
       </p:ext>
     </p:extLst>
   </p:cSld>
@@ -1545,7 +1545,7 @@
             <a:fld id="{CA8936BB-9119-4634-84BC-E84BF1D915FE}" type="datetimeFigureOut">
               <a:rPr lang="en-US" smtClean="0"/>
               <a:pPr/>
-              <a:t>10/31/2017</a:t>
+              <a:t>11/1/2017</a:t>
             </a:fld>
             <a:endParaRPr lang="en-US" dirty="0"/>
           </a:p>
@@ -1662,7 +1662,7 @@
     </p:spTree>
     <p:extLst>
       <p:ext uri="{BB962C8B-B14F-4D97-AF65-F5344CB8AC3E}">
-        <p14:creationId xmlns:p14="http://schemas.microsoft.com/office/powerpoint/2010/main" xmlns="" val="3453102556"/>
+        <p14:creationId xmlns="" xmlns:p14="http://schemas.microsoft.com/office/powerpoint/2010/main" val="3453102556"/>
       </p:ext>
     </p:extLst>
   </p:cSld>
@@ -1899,7 +1899,7 @@
             <a:fld id="{CA8936BB-9119-4634-84BC-E84BF1D915FE}" type="datetimeFigureOut">
               <a:rPr lang="en-US" smtClean="0"/>
               <a:pPr/>
-              <a:t>10/31/2017</a:t>
+              <a:t>11/1/2017</a:t>
             </a:fld>
             <a:endParaRPr lang="en-US"/>
           </a:p>
@@ -2006,7 +2006,7 @@
     </p:spTree>
     <p:extLst>
       <p:ext uri="{BB962C8B-B14F-4D97-AF65-F5344CB8AC3E}">
-        <p14:creationId xmlns:p14="http://schemas.microsoft.com/office/powerpoint/2010/main" xmlns="" val="2517282281"/>
+        <p14:creationId xmlns="" xmlns:p14="http://schemas.microsoft.com/office/powerpoint/2010/main" val="2517282281"/>
       </p:ext>
     </p:extLst>
   </p:cSld>
@@ -2045,7 +2045,7 @@
           <a:blip r:embed="rId2" cstate="email">
             <a:extLst>
               <a:ext uri="{28A0092B-C50C-407E-A947-70E740481C1C}">
-                <a14:useLocalDpi xmlns:a14="http://schemas.microsoft.com/office/drawing/2010/main" xmlns=""/>
+                <a14:useLocalDpi xmlns="" xmlns:a14="http://schemas.microsoft.com/office/drawing/2010/main"/>
               </a:ext>
             </a:extLst>
           </a:blip>
@@ -2140,7 +2140,7 @@
     </p:spTree>
     <p:extLst>
       <p:ext uri="{BB962C8B-B14F-4D97-AF65-F5344CB8AC3E}">
-        <p14:creationId xmlns:p14="http://schemas.microsoft.com/office/powerpoint/2010/main" xmlns="" val="3227955906"/>
+        <p14:creationId xmlns="" xmlns:p14="http://schemas.microsoft.com/office/powerpoint/2010/main" val="3227955906"/>
       </p:ext>
     </p:extLst>
   </p:cSld>
@@ -2357,7 +2357,7 @@
             <a:fld id="{CA8936BB-9119-4634-84BC-E84BF1D915FE}" type="datetimeFigureOut">
               <a:rPr lang="en-US" smtClean="0"/>
               <a:pPr/>
-              <a:t>10/31/2017</a:t>
+              <a:t>11/1/2017</a:t>
             </a:fld>
             <a:endParaRPr lang="en-US"/>
           </a:p>
@@ -2474,7 +2474,7 @@
     </p:spTree>
     <p:extLst>
       <p:ext uri="{BB962C8B-B14F-4D97-AF65-F5344CB8AC3E}">
-        <p14:creationId xmlns:p14="http://schemas.microsoft.com/office/powerpoint/2010/main" xmlns="" val="64487476"/>
+        <p14:creationId xmlns="" xmlns:p14="http://schemas.microsoft.com/office/powerpoint/2010/main" val="64487476"/>
       </p:ext>
     </p:extLst>
   </p:cSld>
@@ -2653,7 +2653,7 @@
             <a:fld id="{CA8936BB-9119-4634-84BC-E84BF1D915FE}" type="datetimeFigureOut">
               <a:rPr lang="en-US" smtClean="0"/>
               <a:pPr/>
-              <a:t>10/31/2017</a:t>
+              <a:t>11/1/2017</a:t>
             </a:fld>
             <a:endParaRPr lang="en-US"/>
           </a:p>
@@ -2770,7 +2770,7 @@
     </p:spTree>
     <p:extLst>
       <p:ext uri="{BB962C8B-B14F-4D97-AF65-F5344CB8AC3E}">
-        <p14:creationId xmlns:p14="http://schemas.microsoft.com/office/powerpoint/2010/main" xmlns="" val="1837571252"/>
+        <p14:creationId xmlns="" xmlns:p14="http://schemas.microsoft.com/office/powerpoint/2010/main" val="1837571252"/>
       </p:ext>
     </p:extLst>
   </p:cSld>
@@ -2814,7 +2814,7 @@
           <a:blip r:embed="rId13" cstate="email">
             <a:extLst>
               <a:ext uri="{28A0092B-C50C-407E-A947-70E740481C1C}">
-                <a14:useLocalDpi xmlns:a14="http://schemas.microsoft.com/office/drawing/2010/main" xmlns=""/>
+                <a14:useLocalDpi xmlns="" xmlns:a14="http://schemas.microsoft.com/office/drawing/2010/main"/>
               </a:ext>
             </a:extLst>
           </a:blip>
@@ -2909,7 +2909,7 @@
           <a:blip r:embed="rId14" cstate="email">
             <a:extLst>
               <a:ext uri="{28A0092B-C50C-407E-A947-70E740481C1C}">
-                <a14:useLocalDpi xmlns:a14="http://schemas.microsoft.com/office/drawing/2010/main" xmlns=""/>
+                <a14:useLocalDpi xmlns="" xmlns:a14="http://schemas.microsoft.com/office/drawing/2010/main"/>
               </a:ext>
             </a:extLst>
           </a:blip>
@@ -2930,7 +2930,7 @@
     </p:spTree>
     <p:extLst>
       <p:ext uri="{BB962C8B-B14F-4D97-AF65-F5344CB8AC3E}">
-        <p14:creationId xmlns:p14="http://schemas.microsoft.com/office/powerpoint/2010/main" xmlns="" val="1778616413"/>
+        <p14:creationId xmlns="" xmlns:p14="http://schemas.microsoft.com/office/powerpoint/2010/main" val="1778616413"/>
       </p:ext>
     </p:extLst>
   </p:cSld>
@@ -3253,7 +3253,7 @@
           <p:cNvPr id="2" name="Title 1">
             <a:extLst>
               <a:ext uri="{FF2B5EF4-FFF2-40B4-BE49-F238E27FC236}">
-                <a16:creationId xmlns:a16="http://schemas.microsoft.com/office/drawing/2014/main" xmlns="" id="{6EC84F9C-D9B7-4A95-AE28-8595381C2FE4}"/>
+                <a16:creationId xmlns="" xmlns:a16="http://schemas.microsoft.com/office/drawing/2014/main" id="{6EC84F9C-D9B7-4A95-AE28-8595381C2FE4}"/>
               </a:ext>
             </a:extLst>
           </p:cNvPr>
@@ -3352,7 +3352,7 @@
           <p:cNvPr id="5" name="Picture 4">
             <a:extLst>
               <a:ext uri="{FF2B5EF4-FFF2-40B4-BE49-F238E27FC236}">
-                <a16:creationId xmlns:a16="http://schemas.microsoft.com/office/drawing/2014/main" xmlns="" id="{3CE608B1-1C09-483D-9140-7B86E51CDEB7}"/>
+                <a16:creationId xmlns="" xmlns:a16="http://schemas.microsoft.com/office/drawing/2014/main" id="{3CE608B1-1C09-483D-9140-7B86E51CDEB7}"/>
               </a:ext>
             </a:extLst>
           </p:cNvPr>
@@ -3365,7 +3365,7 @@
           <a:blip r:embed="rId2" cstate="email">
             <a:extLst>
               <a:ext uri="{28A0092B-C50C-407E-A947-70E740481C1C}">
-                <a14:useLocalDpi xmlns:a14="http://schemas.microsoft.com/office/drawing/2010/main" xmlns=""/>
+                <a14:useLocalDpi xmlns="" xmlns:a14="http://schemas.microsoft.com/office/drawing/2010/main"/>
               </a:ext>
             </a:extLst>
           </a:blip>
@@ -3386,7 +3386,7 @@
     </p:spTree>
     <p:extLst>
       <p:ext uri="{BB962C8B-B14F-4D97-AF65-F5344CB8AC3E}">
-        <p14:creationId xmlns:p14="http://schemas.microsoft.com/office/powerpoint/2010/main" xmlns="" val="1552268445"/>
+        <p14:creationId xmlns="" xmlns:p14="http://schemas.microsoft.com/office/powerpoint/2010/main" val="1552268445"/>
       </p:ext>
     </p:extLst>
   </p:cSld>
@@ -3425,7 +3425,7 @@
           <p:cNvPr id="6" name="Title 1">
             <a:extLst>
               <a:ext uri="{FF2B5EF4-FFF2-40B4-BE49-F238E27FC236}">
-                <a16:creationId xmlns:a16="http://schemas.microsoft.com/office/drawing/2014/main" xmlns="" id="{9575920D-6349-457B-8283-EDD6930374F6}"/>
+                <a16:creationId xmlns="" xmlns:a16="http://schemas.microsoft.com/office/drawing/2014/main" id="{9575920D-6349-457B-8283-EDD6930374F6}"/>
               </a:ext>
             </a:extLst>
           </p:cNvPr>
@@ -3790,7 +3790,7 @@
     </p:spTree>
     <p:extLst>
       <p:ext uri="{BB962C8B-B14F-4D97-AF65-F5344CB8AC3E}">
-        <p14:creationId xmlns:p14="http://schemas.microsoft.com/office/powerpoint/2010/main" xmlns="" val="3216785082"/>
+        <p14:creationId xmlns="" xmlns:p14="http://schemas.microsoft.com/office/powerpoint/2010/main" val="3216785082"/>
       </p:ext>
     </p:extLst>
   </p:cSld>
@@ -3829,7 +3829,7 @@
           <p:cNvPr id="6" name="Title 1">
             <a:extLst>
               <a:ext uri="{FF2B5EF4-FFF2-40B4-BE49-F238E27FC236}">
-                <a16:creationId xmlns:a16="http://schemas.microsoft.com/office/drawing/2014/main" xmlns="" id="{9575920D-6349-457B-8283-EDD6930374F6}"/>
+                <a16:creationId xmlns="" xmlns:a16="http://schemas.microsoft.com/office/drawing/2014/main" id="{9575920D-6349-457B-8283-EDD6930374F6}"/>
               </a:ext>
             </a:extLst>
           </p:cNvPr>
@@ -4274,7 +4274,7 @@
     </p:spTree>
     <p:extLst>
       <p:ext uri="{BB962C8B-B14F-4D97-AF65-F5344CB8AC3E}">
-        <p14:creationId xmlns:p14="http://schemas.microsoft.com/office/powerpoint/2010/main" xmlns="" val="3216785082"/>
+        <p14:creationId xmlns="" xmlns:p14="http://schemas.microsoft.com/office/powerpoint/2010/main" val="3216785082"/>
       </p:ext>
     </p:extLst>
   </p:cSld>
@@ -4313,7 +4313,7 @@
           <p:cNvPr id="6" name="Title 1">
             <a:extLst>
               <a:ext uri="{FF2B5EF4-FFF2-40B4-BE49-F238E27FC236}">
-                <a16:creationId xmlns:a16="http://schemas.microsoft.com/office/drawing/2014/main" xmlns="" id="{9575920D-6349-457B-8283-EDD6930374F6}"/>
+                <a16:creationId xmlns="" xmlns:a16="http://schemas.microsoft.com/office/drawing/2014/main" id="{9575920D-6349-457B-8283-EDD6930374F6}"/>
               </a:ext>
             </a:extLst>
           </p:cNvPr>
@@ -4792,7 +4792,7 @@
     </p:spTree>
     <p:extLst>
       <p:ext uri="{BB962C8B-B14F-4D97-AF65-F5344CB8AC3E}">
-        <p14:creationId xmlns:p14="http://schemas.microsoft.com/office/powerpoint/2010/main" xmlns="" val="3216785082"/>
+        <p14:creationId xmlns="" xmlns:p14="http://schemas.microsoft.com/office/powerpoint/2010/main" val="3216785082"/>
       </p:ext>
     </p:extLst>
   </p:cSld>
@@ -4831,7 +4831,7 @@
           <p:cNvPr id="6" name="Title 1">
             <a:extLst>
               <a:ext uri="{FF2B5EF4-FFF2-40B4-BE49-F238E27FC236}">
-                <a16:creationId xmlns:a16="http://schemas.microsoft.com/office/drawing/2014/main" xmlns="" id="{9575920D-6349-457B-8283-EDD6930374F6}"/>
+                <a16:creationId xmlns="" xmlns:a16="http://schemas.microsoft.com/office/drawing/2014/main" id="{9575920D-6349-457B-8283-EDD6930374F6}"/>
               </a:ext>
             </a:extLst>
           </p:cNvPr>
@@ -5276,7 +5276,7 @@
     </p:spTree>
     <p:extLst>
       <p:ext uri="{BB962C8B-B14F-4D97-AF65-F5344CB8AC3E}">
-        <p14:creationId xmlns:p14="http://schemas.microsoft.com/office/powerpoint/2010/main" xmlns="" val="3216785082"/>
+        <p14:creationId xmlns="" xmlns:p14="http://schemas.microsoft.com/office/powerpoint/2010/main" val="3216785082"/>
       </p:ext>
     </p:extLst>
   </p:cSld>
@@ -5313,7 +5313,7 @@
     </p:spTree>
     <p:extLst>
       <p:ext uri="{BB962C8B-B14F-4D97-AF65-F5344CB8AC3E}">
-        <p14:creationId xmlns:p14="http://schemas.microsoft.com/office/powerpoint/2010/main" xmlns="" val="1519000729"/>
+        <p14:creationId xmlns="" xmlns:p14="http://schemas.microsoft.com/office/powerpoint/2010/main" val="1519000729"/>
       </p:ext>
     </p:extLst>
   </p:cSld>
@@ -5585,7 +5585,7 @@
   <a:extraClrSchemeLst/>
   <a:extLst>
     <a:ext uri="{05A4C25C-085E-4340-85A3-A5531E510DB2}">
-      <thm15:themeFamily xmlns:thm15="http://schemas.microsoft.com/office/thememl/2012/main" xmlns="" name="Office Theme" id="{62F939B6-93AF-4DB8-9C6B-D6C7DFDC589F}" vid="{4A3C46E8-61CC-4603-A589-7422A47A8E4A}"/>
+      <thm15:themeFamily xmlns="" xmlns:thm15="http://schemas.microsoft.com/office/thememl/2012/main" name="Office Theme" id="{62F939B6-93AF-4DB8-9C6B-D6C7DFDC589F}" vid="{4A3C46E8-61CC-4603-A589-7422A47A8E4A}"/>
     </a:ext>
   </a:extLst>
 </a:theme>
